--- a/Trabalho final AWARI - João Marcos Salles - 20210610.pptx
+++ b/Trabalho final AWARI - João Marcos Salles - 20210610.pptx
@@ -5,10 +5,10 @@
     <p:sldMasterId id="2147483746" r:id="rId1"/>
   </p:sldMasterIdLst>
   <p:notesMasterIdLst>
-    <p:notesMasterId r:id="rId9"/>
+    <p:notesMasterId r:id="rId15"/>
   </p:notesMasterIdLst>
   <p:handoutMasterIdLst>
-    <p:handoutMasterId r:id="rId10"/>
+    <p:handoutMasterId r:id="rId16"/>
   </p:handoutMasterIdLst>
   <p:sldIdLst>
     <p:sldId id="257" r:id="rId2"/>
@@ -18,6 +18,12 @@
     <p:sldId id="261" r:id="rId6"/>
     <p:sldId id="262" r:id="rId7"/>
     <p:sldId id="263" r:id="rId8"/>
+    <p:sldId id="264" r:id="rId9"/>
+    <p:sldId id="268" r:id="rId10"/>
+    <p:sldId id="265" r:id="rId11"/>
+    <p:sldId id="266" r:id="rId12"/>
+    <p:sldId id="267" r:id="rId13"/>
+    <p:sldId id="269" r:id="rId14"/>
   </p:sldIdLst>
   <p:sldSz cx="12192000" cy="6858000"/>
   <p:notesSz cx="6858000" cy="9144000"/>
@@ -211,7 +217,7 @@
             <a:pPr rtl="0"/>
             <a:fld id="{5C3E0910-793C-46A0-8623-CEAD4857882F}" type="datetime1">
               <a:rPr lang="pt-BR" smtClean="0"/>
-              <a:t>03/06/2021</a:t>
+              <a:t>06/06/2021</a:t>
             </a:fld>
             <a:endParaRPr lang="en-US" dirty="0"/>
           </a:p>
@@ -381,7 +387,7 @@
             <a:pPr rtl="0"/>
             <a:fld id="{49EE704A-765A-48C7-8594-25B15929F837}" type="datetime1">
               <a:rPr lang="pt-BR" smtClean="0"/>
-              <a:t>03/06/2021</a:t>
+              <a:t>06/06/2021</a:t>
             </a:fld>
             <a:endParaRPr lang="en-US"/>
           </a:p>
@@ -901,7 +907,7 @@
             <a:pPr rtl="0"/>
             <a:fld id="{3E92B5B4-4D0A-4964-A1A3-B85B0EE00890}" type="datetime1">
               <a:rPr lang="pt-BR" smtClean="0"/>
-              <a:t>03/06/2021</a:t>
+              <a:t>06/06/2021</a:t>
             </a:fld>
             <a:endParaRPr lang="en-US" dirty="0"/>
           </a:p>
@@ -1097,7 +1103,7 @@
             <a:pPr rtl="0"/>
             <a:fld id="{32E1A5F9-C71D-4DE8-8BF4-9F6FC06A94B8}" type="datetime1">
               <a:rPr lang="pt-BR" smtClean="0"/>
-              <a:t>03/06/2021</a:t>
+              <a:t>06/06/2021</a:t>
             </a:fld>
             <a:endParaRPr lang="en-US" dirty="0"/>
           </a:p>
@@ -1347,7 +1353,7 @@
             <a:pPr rtl="0"/>
             <a:fld id="{421DCD7D-5BFD-485D-AED5-B62EAACA4CB6}" type="datetime1">
               <a:rPr lang="pt-BR" smtClean="0"/>
-              <a:t>03/06/2021</a:t>
+              <a:t>06/06/2021</a:t>
             </a:fld>
             <a:endParaRPr lang="en-US" dirty="0"/>
           </a:p>
@@ -1543,7 +1549,7 @@
             <a:pPr rtl="0"/>
             <a:fld id="{623252B5-F3E6-4058-A723-196087E9E541}" type="datetime1">
               <a:rPr lang="pt-BR" smtClean="0"/>
-              <a:t>03/06/2021</a:t>
+              <a:t>06/06/2021</a:t>
             </a:fld>
             <a:endParaRPr lang="en-US" dirty="0"/>
           </a:p>
@@ -1920,7 +1926,7 @@
             <a:pPr rtl="0"/>
             <a:fld id="{1A251DFA-97D2-4C90-9100-D1173CC96C37}" type="datetime1">
               <a:rPr lang="pt-BR" smtClean="0"/>
-              <a:t>03/06/2021</a:t>
+              <a:t>06/06/2021</a:t>
             </a:fld>
             <a:endParaRPr lang="en-US" dirty="0"/>
           </a:p>
@@ -2179,7 +2185,7 @@
             <a:pPr rtl="0"/>
             <a:fld id="{7651B26C-F0DB-4889-B6A3-FE07E152272F}" type="datetime1">
               <a:rPr lang="pt-BR" smtClean="0"/>
-              <a:t>03/06/2021</a:t>
+              <a:t>06/06/2021</a:t>
             </a:fld>
             <a:endParaRPr lang="en-US" dirty="0"/>
           </a:p>
@@ -2584,7 +2590,7 @@
             <a:pPr rtl="0"/>
             <a:fld id="{DB0565EE-A4B5-4AB4-9432-D16ECAE9EF1F}" type="datetime1">
               <a:rPr lang="pt-BR" smtClean="0"/>
-              <a:t>03/06/2021</a:t>
+              <a:t>06/06/2021</a:t>
             </a:fld>
             <a:endParaRPr lang="en-US" dirty="0"/>
           </a:p>
@@ -2724,7 +2730,7 @@
             <a:pPr rtl="0"/>
             <a:fld id="{FC470C2D-02C8-4A1B-A79F-498A53DD951F}" type="datetime1">
               <a:rPr lang="pt-BR" smtClean="0"/>
-              <a:t>03/06/2021</a:t>
+              <a:t>06/06/2021</a:t>
             </a:fld>
             <a:endParaRPr lang="en-US" dirty="0"/>
           </a:p>
@@ -2884,7 +2890,7 @@
             <a:pPr rtl="0"/>
             <a:fld id="{9094EF83-1835-4C7A-B4B2-F0B720F5AC0B}" type="datetime1">
               <a:rPr lang="pt-BR" smtClean="0"/>
-              <a:t>03/06/2021</a:t>
+              <a:t>06/06/2021</a:t>
             </a:fld>
             <a:endParaRPr lang="en-US" dirty="0"/>
           </a:p>
@@ -3217,7 +3223,7 @@
             <a:pPr rtl="0"/>
             <a:fld id="{6F5D5688-1774-4625-9E74-88EA94DB2550}" type="datetime1">
               <a:rPr lang="pt-BR" smtClean="0"/>
-              <a:t>03/06/2021</a:t>
+              <a:t>06/06/2021</a:t>
             </a:fld>
             <a:endParaRPr lang="en-US" dirty="0"/>
           </a:p>
@@ -3572,7 +3578,7 @@
             <a:pPr rtl="0"/>
             <a:fld id="{3D5E4E1C-696A-4E82-B6DD-87ECA4CC925A}" type="datetime1">
               <a:rPr lang="pt-BR" smtClean="0"/>
-              <a:t>03/06/2021</a:t>
+              <a:t>06/06/2021</a:t>
             </a:fld>
             <a:endParaRPr lang="en-US" dirty="0"/>
           </a:p>
@@ -3836,7 +3842,7 @@
             <a:pPr rtl="0"/>
             <a:fld id="{66BA6665-D630-4C43-9989-3D086DA68E5F}" type="datetime1">
               <a:rPr lang="pt-BR" smtClean="0"/>
-              <a:t>03/06/2021</a:t>
+              <a:t>06/06/2021</a:t>
             </a:fld>
             <a:endParaRPr lang="en-US" dirty="0"/>
           </a:p>
@@ -4674,6 +4680,836 @@
 </p:sld>
 </file>
 
+<file path=ppt/slides/slide10.xml><?xml version="1.0" encoding="utf-8"?>
+<p:sld xmlns:a="http://schemas.openxmlformats.org/drawingml/2006/main" xmlns:r="http://schemas.openxmlformats.org/officeDocument/2006/relationships" xmlns:p="http://schemas.openxmlformats.org/presentationml/2006/main">
+  <p:cSld>
+    <p:spTree>
+      <p:nvGrpSpPr>
+        <p:cNvPr id="1" name=""/>
+        <p:cNvGrpSpPr/>
+        <p:nvPr/>
+      </p:nvGrpSpPr>
+      <p:grpSpPr>
+        <a:xfrm>
+          <a:off x="0" y="0"/>
+          <a:ext cx="0" cy="0"/>
+          <a:chOff x="0" y="0"/>
+          <a:chExt cx="0" cy="0"/>
+        </a:xfrm>
+      </p:grpSpPr>
+      <p:sp>
+        <p:nvSpPr>
+          <p:cNvPr id="4" name="Espaço Reservado para Data 3">
+            <a:extLst>
+              <a:ext uri="{FF2B5EF4-FFF2-40B4-BE49-F238E27FC236}">
+                <a16:creationId xmlns:a16="http://schemas.microsoft.com/office/drawing/2014/main" id="{A15FD19E-3DD0-4FFF-B1B7-6FC2F5842DD8}"/>
+              </a:ext>
+            </a:extLst>
+          </p:cNvPr>
+          <p:cNvSpPr>
+            <a:spLocks noGrp="1"/>
+          </p:cNvSpPr>
+          <p:nvPr>
+            <p:ph type="dt" sz="half" idx="10"/>
+          </p:nvPr>
+        </p:nvSpPr>
+        <p:spPr/>
+        <p:txBody>
+          <a:bodyPr/>
+          <a:lstStyle/>
+          <a:p>
+            <a:pPr rtl="0"/>
+            <a:fld id="{623252B5-F3E6-4058-A723-196087E9E541}" type="datetime1">
+              <a:rPr lang="pt-BR" smtClean="0"/>
+              <a:t>06/06/2021</a:t>
+            </a:fld>
+            <a:endParaRPr lang="en-US" dirty="0"/>
+          </a:p>
+        </p:txBody>
+      </p:sp>
+      <p:sp>
+        <p:nvSpPr>
+          <p:cNvPr id="2" name="Título 1">
+            <a:extLst>
+              <a:ext uri="{FF2B5EF4-FFF2-40B4-BE49-F238E27FC236}">
+                <a16:creationId xmlns:a16="http://schemas.microsoft.com/office/drawing/2014/main" id="{3CE786AD-9407-45B1-A9A0-AAA83C1BC691}"/>
+              </a:ext>
+            </a:extLst>
+          </p:cNvPr>
+          <p:cNvSpPr>
+            <a:spLocks noGrp="1"/>
+          </p:cNvSpPr>
+          <p:nvPr>
+            <p:ph type="title" idx="4294967295"/>
+          </p:nvPr>
+        </p:nvSpPr>
+        <p:spPr>
+          <a:xfrm>
+            <a:off x="1145439" y="280131"/>
+            <a:ext cx="9197045" cy="647791"/>
+          </a:xfrm>
+        </p:spPr>
+        <p:txBody>
+          <a:bodyPr>
+            <a:normAutofit/>
+          </a:bodyPr>
+          <a:lstStyle/>
+          <a:p>
+            <a:r>
+              <a:rPr lang="pt-BR" sz="4000" dirty="0"/>
+              <a:t>Otimização do portfólio - Metodologia</a:t>
+            </a:r>
+          </a:p>
+        </p:txBody>
+      </p:sp>
+      <p:sp>
+        <p:nvSpPr>
+          <p:cNvPr id="5" name="CaixaDeTexto 4">
+            <a:extLst>
+              <a:ext uri="{FF2B5EF4-FFF2-40B4-BE49-F238E27FC236}">
+                <a16:creationId xmlns:a16="http://schemas.microsoft.com/office/drawing/2014/main" id="{59C5841B-48EE-4699-9C29-58004AC8109A}"/>
+              </a:ext>
+            </a:extLst>
+          </p:cNvPr>
+          <p:cNvSpPr txBox="1"/>
+          <p:nvPr/>
+        </p:nvSpPr>
+        <p:spPr>
+          <a:xfrm>
+            <a:off x="426128" y="1214468"/>
+            <a:ext cx="4003829" cy="1200329"/>
+          </a:xfrm>
+          <a:prstGeom prst="rect">
+            <a:avLst/>
+          </a:prstGeom>
+          <a:noFill/>
+        </p:spPr>
+        <p:txBody>
+          <a:bodyPr wrap="square" rtlCol="0">
+            <a:spAutoFit/>
+          </a:bodyPr>
+          <a:lstStyle/>
+          <a:p>
+            <a:pPr marL="285750" indent="-285750">
+              <a:buFont typeface="Arial" panose="020B0604020202020204" pitchFamily="34" charset="0"/>
+              <a:buChar char="•"/>
+            </a:pPr>
+            <a:r>
+              <a:rPr lang="pt-BR" dirty="0" err="1"/>
+              <a:t>Dataframe</a:t>
+            </a:r>
+            <a:r>
+              <a:rPr lang="pt-BR" dirty="0"/>
+              <a:t> resultado com 1.000 simulações:</a:t>
+            </a:r>
+          </a:p>
+          <a:p>
+            <a:pPr marL="285750" indent="-285750">
+              <a:buFont typeface="Arial" panose="020B0604020202020204" pitchFamily="34" charset="0"/>
+              <a:buChar char="•"/>
+            </a:pPr>
+            <a:endParaRPr lang="pt-BR" dirty="0"/>
+          </a:p>
+          <a:p>
+            <a:endParaRPr lang="pt-BR" dirty="0"/>
+          </a:p>
+        </p:txBody>
+      </p:sp>
+      <p:pic>
+        <p:nvPicPr>
+          <p:cNvPr id="9" name="Imagem 8">
+            <a:extLst>
+              <a:ext uri="{FF2B5EF4-FFF2-40B4-BE49-F238E27FC236}">
+                <a16:creationId xmlns:a16="http://schemas.microsoft.com/office/drawing/2014/main" id="{421C04B0-53B2-4882-9E90-A0FEBF72B97A}"/>
+              </a:ext>
+            </a:extLst>
+          </p:cNvPr>
+          <p:cNvPicPr>
+            <a:picLocks noChangeAspect="1"/>
+          </p:cNvPicPr>
+          <p:nvPr/>
+        </p:nvPicPr>
+        <p:blipFill>
+          <a:blip r:embed="rId2"/>
+          <a:stretch>
+            <a:fillRect/>
+          </a:stretch>
+        </p:blipFill>
+        <p:spPr>
+          <a:xfrm>
+            <a:off x="5264950" y="1214468"/>
+            <a:ext cx="5538326" cy="4000479"/>
+          </a:xfrm>
+          <a:prstGeom prst="rect">
+            <a:avLst/>
+          </a:prstGeom>
+        </p:spPr>
+      </p:pic>
+    </p:spTree>
+    <p:extLst>
+      <p:ext uri="{BB962C8B-B14F-4D97-AF65-F5344CB8AC3E}">
+        <p14:creationId xmlns:p14="http://schemas.microsoft.com/office/powerpoint/2010/main" val="458580204"/>
+      </p:ext>
+    </p:extLst>
+  </p:cSld>
+  <p:clrMapOvr>
+    <a:masterClrMapping/>
+  </p:clrMapOvr>
+</p:sld>
+</file>
+
+<file path=ppt/slides/slide11.xml><?xml version="1.0" encoding="utf-8"?>
+<p:sld xmlns:a="http://schemas.openxmlformats.org/drawingml/2006/main" xmlns:r="http://schemas.openxmlformats.org/officeDocument/2006/relationships" xmlns:p="http://schemas.openxmlformats.org/presentationml/2006/main">
+  <p:cSld>
+    <p:spTree>
+      <p:nvGrpSpPr>
+        <p:cNvPr id="1" name=""/>
+        <p:cNvGrpSpPr/>
+        <p:nvPr/>
+      </p:nvGrpSpPr>
+      <p:grpSpPr>
+        <a:xfrm>
+          <a:off x="0" y="0"/>
+          <a:ext cx="0" cy="0"/>
+          <a:chOff x="0" y="0"/>
+          <a:chExt cx="0" cy="0"/>
+        </a:xfrm>
+      </p:grpSpPr>
+      <p:sp>
+        <p:nvSpPr>
+          <p:cNvPr id="4" name="Espaço Reservado para Data 3">
+            <a:extLst>
+              <a:ext uri="{FF2B5EF4-FFF2-40B4-BE49-F238E27FC236}">
+                <a16:creationId xmlns:a16="http://schemas.microsoft.com/office/drawing/2014/main" id="{A15FD19E-3DD0-4FFF-B1B7-6FC2F5842DD8}"/>
+              </a:ext>
+            </a:extLst>
+          </p:cNvPr>
+          <p:cNvSpPr>
+            <a:spLocks noGrp="1"/>
+          </p:cNvSpPr>
+          <p:nvPr>
+            <p:ph type="dt" sz="half" idx="10"/>
+          </p:nvPr>
+        </p:nvSpPr>
+        <p:spPr/>
+        <p:txBody>
+          <a:bodyPr/>
+          <a:lstStyle/>
+          <a:p>
+            <a:pPr rtl="0"/>
+            <a:fld id="{623252B5-F3E6-4058-A723-196087E9E541}" type="datetime1">
+              <a:rPr lang="pt-BR" smtClean="0"/>
+              <a:t>06/06/2021</a:t>
+            </a:fld>
+            <a:endParaRPr lang="en-US" dirty="0"/>
+          </a:p>
+        </p:txBody>
+      </p:sp>
+      <p:sp>
+        <p:nvSpPr>
+          <p:cNvPr id="2" name="Título 1">
+            <a:extLst>
+              <a:ext uri="{FF2B5EF4-FFF2-40B4-BE49-F238E27FC236}">
+                <a16:creationId xmlns:a16="http://schemas.microsoft.com/office/drawing/2014/main" id="{3CE786AD-9407-45B1-A9A0-AAA83C1BC691}"/>
+              </a:ext>
+            </a:extLst>
+          </p:cNvPr>
+          <p:cNvSpPr>
+            <a:spLocks noGrp="1"/>
+          </p:cNvSpPr>
+          <p:nvPr>
+            <p:ph type="title" idx="4294967295"/>
+          </p:nvPr>
+        </p:nvSpPr>
+        <p:spPr>
+          <a:xfrm>
+            <a:off x="1145439" y="280131"/>
+            <a:ext cx="9197045" cy="647791"/>
+          </a:xfrm>
+        </p:spPr>
+        <p:txBody>
+          <a:bodyPr>
+            <a:normAutofit/>
+          </a:bodyPr>
+          <a:lstStyle/>
+          <a:p>
+            <a:r>
+              <a:rPr lang="pt-BR" sz="4000" dirty="0"/>
+              <a:t>Otimização do portfólio - Resultado</a:t>
+            </a:r>
+          </a:p>
+        </p:txBody>
+      </p:sp>
+      <p:sp>
+        <p:nvSpPr>
+          <p:cNvPr id="5" name="CaixaDeTexto 4">
+            <a:extLst>
+              <a:ext uri="{FF2B5EF4-FFF2-40B4-BE49-F238E27FC236}">
+                <a16:creationId xmlns:a16="http://schemas.microsoft.com/office/drawing/2014/main" id="{59C5841B-48EE-4699-9C29-58004AC8109A}"/>
+              </a:ext>
+            </a:extLst>
+          </p:cNvPr>
+          <p:cNvSpPr txBox="1"/>
+          <p:nvPr/>
+        </p:nvSpPr>
+        <p:spPr>
+          <a:xfrm>
+            <a:off x="426128" y="1214468"/>
+            <a:ext cx="3212017" cy="369332"/>
+          </a:xfrm>
+          <a:prstGeom prst="rect">
+            <a:avLst/>
+          </a:prstGeom>
+          <a:noFill/>
+        </p:spPr>
+        <p:txBody>
+          <a:bodyPr wrap="square" rtlCol="0">
+            <a:spAutoFit/>
+          </a:bodyPr>
+          <a:lstStyle/>
+          <a:p>
+            <a:pPr marL="285750" indent="-285750">
+              <a:buFont typeface="Arial" panose="020B0604020202020204" pitchFamily="34" charset="0"/>
+              <a:buChar char="•"/>
+            </a:pPr>
+            <a:r>
+              <a:rPr lang="pt-BR" dirty="0"/>
+              <a:t>Portfólio com Risco mínimo:</a:t>
+            </a:r>
+          </a:p>
+        </p:txBody>
+      </p:sp>
+      <p:pic>
+        <p:nvPicPr>
+          <p:cNvPr id="6" name="Imagem 5">
+            <a:extLst>
+              <a:ext uri="{FF2B5EF4-FFF2-40B4-BE49-F238E27FC236}">
+                <a16:creationId xmlns:a16="http://schemas.microsoft.com/office/drawing/2014/main" id="{C2A2E992-7609-4348-A731-1A7DAE10090A}"/>
+              </a:ext>
+            </a:extLst>
+          </p:cNvPr>
+          <p:cNvPicPr>
+            <a:picLocks noChangeAspect="1"/>
+          </p:cNvPicPr>
+          <p:nvPr/>
+        </p:nvPicPr>
+        <p:blipFill>
+          <a:blip r:embed="rId2"/>
+          <a:stretch>
+            <a:fillRect/>
+          </a:stretch>
+        </p:blipFill>
+        <p:spPr>
+          <a:xfrm>
+            <a:off x="752636" y="1676133"/>
+            <a:ext cx="2321303" cy="2103341"/>
+          </a:xfrm>
+          <a:prstGeom prst="rect">
+            <a:avLst/>
+          </a:prstGeom>
+        </p:spPr>
+      </p:pic>
+      <p:sp>
+        <p:nvSpPr>
+          <p:cNvPr id="10" name="CaixaDeTexto 9">
+            <a:extLst>
+              <a:ext uri="{FF2B5EF4-FFF2-40B4-BE49-F238E27FC236}">
+                <a16:creationId xmlns:a16="http://schemas.microsoft.com/office/drawing/2014/main" id="{A8B7C2A9-9031-43AA-BCA5-509079C1EC50}"/>
+              </a:ext>
+            </a:extLst>
+          </p:cNvPr>
+          <p:cNvSpPr txBox="1"/>
+          <p:nvPr/>
+        </p:nvSpPr>
+        <p:spPr>
+          <a:xfrm>
+            <a:off x="3978613" y="1199689"/>
+            <a:ext cx="3531139" cy="369332"/>
+          </a:xfrm>
+          <a:prstGeom prst="rect">
+            <a:avLst/>
+          </a:prstGeom>
+          <a:noFill/>
+        </p:spPr>
+        <p:txBody>
+          <a:bodyPr wrap="square" rtlCol="0">
+            <a:spAutoFit/>
+          </a:bodyPr>
+          <a:lstStyle/>
+          <a:p>
+            <a:pPr marL="285750" indent="-285750">
+              <a:buFont typeface="Arial" panose="020B0604020202020204" pitchFamily="34" charset="0"/>
+              <a:buChar char="•"/>
+            </a:pPr>
+            <a:r>
+              <a:rPr lang="pt-BR" dirty="0"/>
+              <a:t>Portfólio com Retorno Máximo:</a:t>
+            </a:r>
+          </a:p>
+        </p:txBody>
+      </p:sp>
+      <p:sp>
+        <p:nvSpPr>
+          <p:cNvPr id="11" name="CaixaDeTexto 10">
+            <a:extLst>
+              <a:ext uri="{FF2B5EF4-FFF2-40B4-BE49-F238E27FC236}">
+                <a16:creationId xmlns:a16="http://schemas.microsoft.com/office/drawing/2014/main" id="{B6F28A0C-4E28-407A-938A-6A2678E550E6}"/>
+              </a:ext>
+            </a:extLst>
+          </p:cNvPr>
+          <p:cNvSpPr txBox="1"/>
+          <p:nvPr/>
+        </p:nvSpPr>
+        <p:spPr>
+          <a:xfrm>
+            <a:off x="7849776" y="1199689"/>
+            <a:ext cx="3531139" cy="369332"/>
+          </a:xfrm>
+          <a:prstGeom prst="rect">
+            <a:avLst/>
+          </a:prstGeom>
+          <a:noFill/>
+        </p:spPr>
+        <p:txBody>
+          <a:bodyPr wrap="square" rtlCol="0">
+            <a:spAutoFit/>
+          </a:bodyPr>
+          <a:lstStyle/>
+          <a:p>
+            <a:pPr marL="285750" indent="-285750">
+              <a:buFont typeface="Arial" panose="020B0604020202020204" pitchFamily="34" charset="0"/>
+              <a:buChar char="•"/>
+            </a:pPr>
+            <a:r>
+              <a:rPr lang="pt-BR" dirty="0"/>
+              <a:t>Portfólio com Sharpe Máximo:</a:t>
+            </a:r>
+          </a:p>
+        </p:txBody>
+      </p:sp>
+      <p:pic>
+        <p:nvPicPr>
+          <p:cNvPr id="12" name="Imagem 11">
+            <a:extLst>
+              <a:ext uri="{FF2B5EF4-FFF2-40B4-BE49-F238E27FC236}">
+                <a16:creationId xmlns:a16="http://schemas.microsoft.com/office/drawing/2014/main" id="{CDC72DD2-FE3A-4547-AD93-40233DBD604B}"/>
+              </a:ext>
+            </a:extLst>
+          </p:cNvPr>
+          <p:cNvPicPr>
+            <a:picLocks noChangeAspect="1"/>
+          </p:cNvPicPr>
+          <p:nvPr/>
+        </p:nvPicPr>
+        <p:blipFill>
+          <a:blip r:embed="rId3"/>
+          <a:stretch>
+            <a:fillRect/>
+          </a:stretch>
+        </p:blipFill>
+        <p:spPr>
+          <a:xfrm>
+            <a:off x="4426539" y="1676132"/>
+            <a:ext cx="2519009" cy="2124729"/>
+          </a:xfrm>
+          <a:prstGeom prst="rect">
+            <a:avLst/>
+          </a:prstGeom>
+        </p:spPr>
+      </p:pic>
+      <p:pic>
+        <p:nvPicPr>
+          <p:cNvPr id="16" name="Imagem 15">
+            <a:extLst>
+              <a:ext uri="{FF2B5EF4-FFF2-40B4-BE49-F238E27FC236}">
+                <a16:creationId xmlns:a16="http://schemas.microsoft.com/office/drawing/2014/main" id="{C802C5DE-2FC9-4DCA-A1D1-13FBEE7DDBA0}"/>
+              </a:ext>
+            </a:extLst>
+          </p:cNvPr>
+          <p:cNvPicPr>
+            <a:picLocks noChangeAspect="1"/>
+          </p:cNvPicPr>
+          <p:nvPr/>
+        </p:nvPicPr>
+        <p:blipFill>
+          <a:blip r:embed="rId4"/>
+          <a:stretch>
+            <a:fillRect/>
+          </a:stretch>
+        </p:blipFill>
+        <p:spPr>
+          <a:xfrm>
+            <a:off x="8218426" y="1676132"/>
+            <a:ext cx="3116268" cy="2124728"/>
+          </a:xfrm>
+          <a:prstGeom prst="rect">
+            <a:avLst/>
+          </a:prstGeom>
+        </p:spPr>
+      </p:pic>
+    </p:spTree>
+    <p:extLst>
+      <p:ext uri="{BB962C8B-B14F-4D97-AF65-F5344CB8AC3E}">
+        <p14:creationId xmlns:p14="http://schemas.microsoft.com/office/powerpoint/2010/main" val="102032339"/>
+      </p:ext>
+    </p:extLst>
+  </p:cSld>
+  <p:clrMapOvr>
+    <a:masterClrMapping/>
+  </p:clrMapOvr>
+</p:sld>
+</file>
+
+<file path=ppt/slides/slide12.xml><?xml version="1.0" encoding="utf-8"?>
+<p:sld xmlns:a="http://schemas.openxmlformats.org/drawingml/2006/main" xmlns:r="http://schemas.openxmlformats.org/officeDocument/2006/relationships" xmlns:p="http://schemas.openxmlformats.org/presentationml/2006/main">
+  <p:cSld>
+    <p:spTree>
+      <p:nvGrpSpPr>
+        <p:cNvPr id="1" name=""/>
+        <p:cNvGrpSpPr/>
+        <p:nvPr/>
+      </p:nvGrpSpPr>
+      <p:grpSpPr>
+        <a:xfrm>
+          <a:off x="0" y="0"/>
+          <a:ext cx="0" cy="0"/>
+          <a:chOff x="0" y="0"/>
+          <a:chExt cx="0" cy="0"/>
+        </a:xfrm>
+      </p:grpSpPr>
+      <p:sp>
+        <p:nvSpPr>
+          <p:cNvPr id="4" name="Espaço Reservado para Data 3">
+            <a:extLst>
+              <a:ext uri="{FF2B5EF4-FFF2-40B4-BE49-F238E27FC236}">
+                <a16:creationId xmlns:a16="http://schemas.microsoft.com/office/drawing/2014/main" id="{A15FD19E-3DD0-4FFF-B1B7-6FC2F5842DD8}"/>
+              </a:ext>
+            </a:extLst>
+          </p:cNvPr>
+          <p:cNvSpPr>
+            <a:spLocks noGrp="1"/>
+          </p:cNvSpPr>
+          <p:nvPr>
+            <p:ph type="dt" sz="half" idx="10"/>
+          </p:nvPr>
+        </p:nvSpPr>
+        <p:spPr/>
+        <p:txBody>
+          <a:bodyPr/>
+          <a:lstStyle/>
+          <a:p>
+            <a:pPr rtl="0"/>
+            <a:fld id="{623252B5-F3E6-4058-A723-196087E9E541}" type="datetime1">
+              <a:rPr lang="pt-BR" smtClean="0"/>
+              <a:t>06/06/2021</a:t>
+            </a:fld>
+            <a:endParaRPr lang="en-US" dirty="0"/>
+          </a:p>
+        </p:txBody>
+      </p:sp>
+      <p:sp>
+        <p:nvSpPr>
+          <p:cNvPr id="2" name="Título 1">
+            <a:extLst>
+              <a:ext uri="{FF2B5EF4-FFF2-40B4-BE49-F238E27FC236}">
+                <a16:creationId xmlns:a16="http://schemas.microsoft.com/office/drawing/2014/main" id="{3CE786AD-9407-45B1-A9A0-AAA83C1BC691}"/>
+              </a:ext>
+            </a:extLst>
+          </p:cNvPr>
+          <p:cNvSpPr>
+            <a:spLocks noGrp="1"/>
+          </p:cNvSpPr>
+          <p:nvPr>
+            <p:ph type="title" idx="4294967295"/>
+          </p:nvPr>
+        </p:nvSpPr>
+        <p:spPr>
+          <a:xfrm>
+            <a:off x="752637" y="280131"/>
+            <a:ext cx="10050640" cy="647791"/>
+          </a:xfrm>
+        </p:spPr>
+        <p:txBody>
+          <a:bodyPr>
+            <a:normAutofit fontScale="90000"/>
+          </a:bodyPr>
+          <a:lstStyle/>
+          <a:p>
+            <a:r>
+              <a:rPr lang="pt-BR" sz="4000" dirty="0"/>
+              <a:t>Otimização do portfólio &amp; Fronteira Eficiente:</a:t>
+            </a:r>
+          </a:p>
+        </p:txBody>
+      </p:sp>
+      <p:pic>
+        <p:nvPicPr>
+          <p:cNvPr id="7" name="Imagem 6">
+            <a:extLst>
+              <a:ext uri="{FF2B5EF4-FFF2-40B4-BE49-F238E27FC236}">
+                <a16:creationId xmlns:a16="http://schemas.microsoft.com/office/drawing/2014/main" id="{91928A91-1D85-4825-BDE8-6511D025CBD2}"/>
+              </a:ext>
+            </a:extLst>
+          </p:cNvPr>
+          <p:cNvPicPr>
+            <a:picLocks noChangeAspect="1"/>
+          </p:cNvPicPr>
+          <p:nvPr/>
+        </p:nvPicPr>
+        <p:blipFill>
+          <a:blip r:embed="rId2"/>
+          <a:stretch>
+            <a:fillRect/>
+          </a:stretch>
+        </p:blipFill>
+        <p:spPr>
+          <a:xfrm>
+            <a:off x="97614" y="1136124"/>
+            <a:ext cx="6782747" cy="3943900"/>
+          </a:xfrm>
+          <a:prstGeom prst="rect">
+            <a:avLst/>
+          </a:prstGeom>
+        </p:spPr>
+      </p:pic>
+      <p:pic>
+        <p:nvPicPr>
+          <p:cNvPr id="17" name="Imagem 16">
+            <a:extLst>
+              <a:ext uri="{FF2B5EF4-FFF2-40B4-BE49-F238E27FC236}">
+                <a16:creationId xmlns:a16="http://schemas.microsoft.com/office/drawing/2014/main" id="{7074419E-9B19-44C1-B24D-75AD1CD19183}"/>
+              </a:ext>
+            </a:extLst>
+          </p:cNvPr>
+          <p:cNvPicPr>
+            <a:picLocks noChangeAspect="1"/>
+          </p:cNvPicPr>
+          <p:nvPr/>
+        </p:nvPicPr>
+        <p:blipFill>
+          <a:blip r:embed="rId3"/>
+          <a:stretch>
+            <a:fillRect/>
+          </a:stretch>
+        </p:blipFill>
+        <p:spPr>
+          <a:xfrm>
+            <a:off x="7060550" y="1205368"/>
+            <a:ext cx="5087060" cy="3448531"/>
+          </a:xfrm>
+          <a:prstGeom prst="rect">
+            <a:avLst/>
+          </a:prstGeom>
+        </p:spPr>
+      </p:pic>
+    </p:spTree>
+    <p:extLst>
+      <p:ext uri="{BB962C8B-B14F-4D97-AF65-F5344CB8AC3E}">
+        <p14:creationId xmlns:p14="http://schemas.microsoft.com/office/powerpoint/2010/main" val="1131533317"/>
+      </p:ext>
+    </p:extLst>
+  </p:cSld>
+  <p:clrMapOvr>
+    <a:masterClrMapping/>
+  </p:clrMapOvr>
+</p:sld>
+</file>
+
+<file path=ppt/slides/slide13.xml><?xml version="1.0" encoding="utf-8"?>
+<p:sld xmlns:a="http://schemas.openxmlformats.org/drawingml/2006/main" xmlns:r="http://schemas.openxmlformats.org/officeDocument/2006/relationships" xmlns:p="http://schemas.openxmlformats.org/presentationml/2006/main">
+  <p:cSld>
+    <p:spTree>
+      <p:nvGrpSpPr>
+        <p:cNvPr id="1" name=""/>
+        <p:cNvGrpSpPr/>
+        <p:nvPr/>
+      </p:nvGrpSpPr>
+      <p:grpSpPr>
+        <a:xfrm>
+          <a:off x="0" y="0"/>
+          <a:ext cx="0" cy="0"/>
+          <a:chOff x="0" y="0"/>
+          <a:chExt cx="0" cy="0"/>
+        </a:xfrm>
+      </p:grpSpPr>
+      <p:sp>
+        <p:nvSpPr>
+          <p:cNvPr id="4" name="Espaço Reservado para Data 3">
+            <a:extLst>
+              <a:ext uri="{FF2B5EF4-FFF2-40B4-BE49-F238E27FC236}">
+                <a16:creationId xmlns:a16="http://schemas.microsoft.com/office/drawing/2014/main" id="{A15FD19E-3DD0-4FFF-B1B7-6FC2F5842DD8}"/>
+              </a:ext>
+            </a:extLst>
+          </p:cNvPr>
+          <p:cNvSpPr>
+            <a:spLocks noGrp="1"/>
+          </p:cNvSpPr>
+          <p:nvPr>
+            <p:ph type="dt" sz="half" idx="10"/>
+          </p:nvPr>
+        </p:nvSpPr>
+        <p:spPr/>
+        <p:txBody>
+          <a:bodyPr/>
+          <a:lstStyle/>
+          <a:p>
+            <a:pPr rtl="0"/>
+            <a:fld id="{623252B5-F3E6-4058-A723-196087E9E541}" type="datetime1">
+              <a:rPr lang="pt-BR" smtClean="0"/>
+              <a:t>06/06/2021</a:t>
+            </a:fld>
+            <a:endParaRPr lang="en-US" dirty="0"/>
+          </a:p>
+        </p:txBody>
+      </p:sp>
+      <p:sp>
+        <p:nvSpPr>
+          <p:cNvPr id="2" name="Título 1">
+            <a:extLst>
+              <a:ext uri="{FF2B5EF4-FFF2-40B4-BE49-F238E27FC236}">
+                <a16:creationId xmlns:a16="http://schemas.microsoft.com/office/drawing/2014/main" id="{3CE786AD-9407-45B1-A9A0-AAA83C1BC691}"/>
+              </a:ext>
+            </a:extLst>
+          </p:cNvPr>
+          <p:cNvSpPr>
+            <a:spLocks noGrp="1"/>
+          </p:cNvSpPr>
+          <p:nvPr>
+            <p:ph type="title" idx="4294967295"/>
+          </p:nvPr>
+        </p:nvSpPr>
+        <p:spPr>
+          <a:xfrm>
+            <a:off x="820730" y="562233"/>
+            <a:ext cx="10050640" cy="647791"/>
+          </a:xfrm>
+        </p:spPr>
+        <p:txBody>
+          <a:bodyPr>
+            <a:normAutofit fontScale="90000"/>
+          </a:bodyPr>
+          <a:lstStyle/>
+          <a:p>
+            <a:pPr algn="ctr"/>
+            <a:r>
+              <a:rPr lang="pt-BR" sz="4000" dirty="0"/>
+              <a:t>Otimização do portfólio – Simulação de Monte Carlo:</a:t>
+            </a:r>
+          </a:p>
+        </p:txBody>
+      </p:sp>
+      <p:pic>
+        <p:nvPicPr>
+          <p:cNvPr id="5" name="Imagem 4">
+            <a:extLst>
+              <a:ext uri="{FF2B5EF4-FFF2-40B4-BE49-F238E27FC236}">
+                <a16:creationId xmlns:a16="http://schemas.microsoft.com/office/drawing/2014/main" id="{8FD9A627-CC68-4CC4-8EF9-62BD4DED413E}"/>
+              </a:ext>
+            </a:extLst>
+          </p:cNvPr>
+          <p:cNvPicPr>
+            <a:picLocks noChangeAspect="1"/>
+          </p:cNvPicPr>
+          <p:nvPr/>
+        </p:nvPicPr>
+        <p:blipFill>
+          <a:blip r:embed="rId2"/>
+          <a:stretch>
+            <a:fillRect/>
+          </a:stretch>
+        </p:blipFill>
+        <p:spPr>
+          <a:xfrm>
+            <a:off x="5877017" y="1482922"/>
+            <a:ext cx="5891993" cy="3892155"/>
+          </a:xfrm>
+          <a:prstGeom prst="rect">
+            <a:avLst/>
+          </a:prstGeom>
+        </p:spPr>
+      </p:pic>
+      <p:sp>
+        <p:nvSpPr>
+          <p:cNvPr id="6" name="CaixaDeTexto 5">
+            <a:extLst>
+              <a:ext uri="{FF2B5EF4-FFF2-40B4-BE49-F238E27FC236}">
+                <a16:creationId xmlns:a16="http://schemas.microsoft.com/office/drawing/2014/main" id="{24F44604-694C-483A-8DAE-0E0FDFBE7CB9}"/>
+              </a:ext>
+            </a:extLst>
+          </p:cNvPr>
+          <p:cNvSpPr txBox="1"/>
+          <p:nvPr/>
+        </p:nvSpPr>
+        <p:spPr>
+          <a:xfrm>
+            <a:off x="603682" y="2388094"/>
+            <a:ext cx="4518733" cy="1200329"/>
+          </a:xfrm>
+          <a:prstGeom prst="rect">
+            <a:avLst/>
+          </a:prstGeom>
+          <a:noFill/>
+        </p:spPr>
+        <p:txBody>
+          <a:bodyPr wrap="square" rtlCol="0">
+            <a:spAutoFit/>
+          </a:bodyPr>
+          <a:lstStyle/>
+          <a:p>
+            <a:pPr marL="285750" indent="-285750">
+              <a:buFont typeface="Arial" panose="020B0604020202020204" pitchFamily="34" charset="0"/>
+              <a:buChar char="•"/>
+            </a:pPr>
+            <a:r>
+              <a:rPr lang="pt-BR" dirty="0"/>
+              <a:t>Retorno diário esperado: 0.1%</a:t>
+            </a:r>
+          </a:p>
+          <a:p>
+            <a:pPr marL="285750" indent="-285750">
+              <a:buFont typeface="Arial" panose="020B0604020202020204" pitchFamily="34" charset="0"/>
+              <a:buChar char="•"/>
+            </a:pPr>
+            <a:r>
+              <a:rPr lang="pt-BR" dirty="0"/>
+              <a:t>Desvio padrão do retorno: 2.5%</a:t>
+            </a:r>
+          </a:p>
+          <a:p>
+            <a:pPr marL="285750" indent="-285750">
+              <a:buFont typeface="Arial" panose="020B0604020202020204" pitchFamily="34" charset="0"/>
+              <a:buChar char="•"/>
+            </a:pPr>
+            <a:r>
+              <a:rPr lang="pt-BR" dirty="0"/>
+              <a:t>Tempo projetado para simulação: 5 anos</a:t>
+            </a:r>
+          </a:p>
+          <a:p>
+            <a:pPr marL="285750" indent="-285750">
+              <a:buFont typeface="Arial" panose="020B0604020202020204" pitchFamily="34" charset="0"/>
+              <a:buChar char="•"/>
+            </a:pPr>
+            <a:r>
+              <a:rPr lang="pt-BR" dirty="0"/>
+              <a:t>Número de simulações: 100</a:t>
+            </a:r>
+          </a:p>
+        </p:txBody>
+      </p:sp>
+    </p:spTree>
+    <p:extLst>
+      <p:ext uri="{BB962C8B-B14F-4D97-AF65-F5344CB8AC3E}">
+        <p14:creationId xmlns:p14="http://schemas.microsoft.com/office/powerpoint/2010/main" val="692964945"/>
+      </p:ext>
+    </p:extLst>
+  </p:cSld>
+  <p:clrMapOvr>
+    <a:masterClrMapping/>
+  </p:clrMapOvr>
+</p:sld>
+</file>
+
 <file path=ppt/slides/slide2.xml><?xml version="1.0" encoding="utf-8"?>
 <p:sld xmlns:a="http://schemas.openxmlformats.org/drawingml/2006/main" xmlns:r="http://schemas.openxmlformats.org/officeDocument/2006/relationships" xmlns:p="http://schemas.openxmlformats.org/presentationml/2006/main">
   <p:cSld>
@@ -4892,7 +5728,7 @@
             <a:pPr rtl="0"/>
             <a:fld id="{623252B5-F3E6-4058-A723-196087E9E541}" type="datetime1">
               <a:rPr lang="pt-BR" smtClean="0"/>
-              <a:t>03/06/2021</a:t>
+              <a:t>06/06/2021</a:t>
             </a:fld>
             <a:endParaRPr lang="en-US" dirty="0"/>
           </a:p>
@@ -4952,7 +5788,7 @@
             <a:pPr rtl="0"/>
             <a:fld id="{623252B5-F3E6-4058-A723-196087E9E541}" type="datetime1">
               <a:rPr lang="pt-BR" smtClean="0"/>
-              <a:t>03/06/2021</a:t>
+              <a:t>06/06/2021</a:t>
             </a:fld>
             <a:endParaRPr lang="en-US" dirty="0"/>
           </a:p>
@@ -5017,7 +5853,7 @@
         </p:spPr>
         <p:txBody>
           <a:bodyPr>
-            <a:normAutofit lnSpcReduction="10000"/>
+            <a:normAutofit/>
           </a:bodyPr>
           <a:lstStyle/>
           <a:p>
@@ -5027,7 +5863,7 @@
             </a:pPr>
             <a:r>
               <a:rPr lang="pt-BR" sz="1800" dirty="0"/>
-              <a:t>Minha proposta é utilizar a análise gráfica para determinar quais ações, dentro da lista do IBOVESPA (aproximadamente 70 ações), utilizando bibliotecas de reconhecimento de padrões e indicadores de tendencia e indicadores de tendencia, como Médias Moveis, MACD, ADX e IFR.</a:t>
+              <a:t>Minha proposta é utilizar a análise gráfica para determinar quais ações, dentro da lista do IBOVESPA (aproximadamente 70 ações), utilizando bibliotecas de reconhecimento de padrões e indicadores de tendencia como Médias Moveis, MACD, ADX e IFR.</a:t>
             </a:r>
           </a:p>
           <a:p>
@@ -5200,7 +6036,7 @@
           <a:p>
             <a:r>
               <a:rPr lang="pt-BR" sz="4000" dirty="0"/>
-              <a:t>Definição das ações</a:t>
+              <a:t>Definição dos ativos - bibliotecas</a:t>
             </a:r>
           </a:p>
         </p:txBody>
@@ -5405,7 +6241,7 @@
             </a:r>
             <a:r>
               <a:rPr lang="pt-BR" dirty="0"/>
-              <a:t>’ e ‘</a:t>
+              <a:t>’, ‘</a:t>
             </a:r>
             <a:r>
               <a:rPr lang="pt-BR" dirty="0" err="1"/>
@@ -5413,7 +6249,15 @@
             </a:r>
             <a:r>
               <a:rPr lang="pt-BR" dirty="0"/>
-              <a:t>’</a:t>
+              <a:t>’ e ’</a:t>
+            </a:r>
+            <a:r>
+              <a:rPr lang="pt-BR" dirty="0" err="1"/>
+              <a:t>seaborn</a:t>
+            </a:r>
+            <a:r>
+              <a:rPr lang="pt-BR" dirty="0"/>
+              <a:t>’.</a:t>
             </a:r>
           </a:p>
         </p:txBody>
@@ -5442,7 +6286,7 @@
             <a:pPr rtl="0"/>
             <a:fld id="{623252B5-F3E6-4058-A723-196087E9E541}" type="datetime1">
               <a:rPr lang="pt-BR" smtClean="0"/>
-              <a:t>03/06/2021</a:t>
+              <a:t>06/06/2021</a:t>
             </a:fld>
             <a:endParaRPr lang="en-US" dirty="0"/>
           </a:p>
@@ -5502,7 +6346,7 @@
             <a:pPr rtl="0"/>
             <a:fld id="{623252B5-F3E6-4058-A723-196087E9E541}" type="datetime1">
               <a:rPr lang="pt-BR" smtClean="0"/>
-              <a:t>03/06/2021</a:t>
+              <a:t>06/06/2021</a:t>
             </a:fld>
             <a:endParaRPr lang="en-US" dirty="0"/>
           </a:p>
@@ -5538,7 +6382,7 @@
           <a:p>
             <a:r>
               <a:rPr lang="pt-BR" sz="4000" dirty="0"/>
-              <a:t>Definição das ações (cont.)</a:t>
+              <a:t>Definição dos ativos - Metodologia</a:t>
             </a:r>
           </a:p>
         </p:txBody>
@@ -5725,7 +6569,7 @@
             <a:pPr rtl="0"/>
             <a:fld id="{623252B5-F3E6-4058-A723-196087E9E541}" type="datetime1">
               <a:rPr lang="pt-BR" smtClean="0"/>
-              <a:t>03/06/2021</a:t>
+              <a:t>06/06/2021</a:t>
             </a:fld>
             <a:endParaRPr lang="en-US" dirty="0"/>
           </a:p>
@@ -5749,8 +6593,8 @@
         </p:nvSpPr>
         <p:spPr>
           <a:xfrm>
-            <a:off x="1695856" y="-678657"/>
-            <a:ext cx="10058400" cy="1449387"/>
+            <a:off x="843379" y="-678657"/>
+            <a:ext cx="10910877" cy="1449387"/>
           </a:xfrm>
         </p:spPr>
         <p:txBody>
@@ -5761,7 +6605,7 @@
           <a:p>
             <a:r>
               <a:rPr lang="pt-BR" sz="4000" dirty="0"/>
-              <a:t>Definição das ações (cont.)</a:t>
+              <a:t>Definição dos ativos – Metodologia (cont.)</a:t>
             </a:r>
           </a:p>
         </p:txBody>
@@ -5825,7 +6669,7 @@
         </p:blipFill>
         <p:spPr>
           <a:xfrm>
-            <a:off x="0" y="2871548"/>
+            <a:off x="0" y="3057986"/>
             <a:ext cx="5945454" cy="3258767"/>
           </a:xfrm>
           <a:prstGeom prst="rect">
@@ -5855,7 +6699,7 @@
         </p:blipFill>
         <p:spPr>
           <a:xfrm>
-            <a:off x="6400115" y="764730"/>
+            <a:off x="6400115" y="897900"/>
             <a:ext cx="5243894" cy="2664270"/>
           </a:xfrm>
           <a:prstGeom prst="rect">
@@ -5885,7 +6729,7 @@
         </p:blipFill>
         <p:spPr>
           <a:xfrm>
-            <a:off x="6400115" y="3628417"/>
+            <a:off x="6400115" y="3672807"/>
             <a:ext cx="5354141" cy="2664270"/>
           </a:xfrm>
           <a:prstGeom prst="rect">
@@ -5947,7 +6791,7 @@
             <a:pPr rtl="0"/>
             <a:fld id="{623252B5-F3E6-4058-A723-196087E9E541}" type="datetime1">
               <a:rPr lang="pt-BR" smtClean="0"/>
-              <a:t>03/06/2021</a:t>
+              <a:t>06/06/2021</a:t>
             </a:fld>
             <a:endParaRPr lang="en-US" dirty="0"/>
           </a:p>
@@ -5971,8 +6815,8 @@
         </p:nvSpPr>
         <p:spPr>
           <a:xfrm>
-            <a:off x="1695856" y="-678657"/>
-            <a:ext cx="10058400" cy="1449387"/>
+            <a:off x="1145440" y="280131"/>
+            <a:ext cx="8904082" cy="1449387"/>
           </a:xfrm>
         </p:spPr>
         <p:txBody>
@@ -5983,8 +6827,247 @@
           <a:p>
             <a:r>
               <a:rPr lang="pt-BR" sz="4000" dirty="0"/>
-              <a:t>Definição das ações e otimização do portfólio</a:t>
-            </a:r>
+              <a:t>Definição do portfólio - parâmetros e bibliotecas</a:t>
+            </a:r>
+          </a:p>
+        </p:txBody>
+      </p:sp>
+      <p:sp>
+        <p:nvSpPr>
+          <p:cNvPr id="3" name="CaixaDeTexto 2">
+            <a:extLst>
+              <a:ext uri="{FF2B5EF4-FFF2-40B4-BE49-F238E27FC236}">
+                <a16:creationId xmlns:a16="http://schemas.microsoft.com/office/drawing/2014/main" id="{09A12E86-C902-4A23-BDB1-40A2D59A0489}"/>
+              </a:ext>
+            </a:extLst>
+          </p:cNvPr>
+          <p:cNvSpPr txBox="1"/>
+          <p:nvPr/>
+        </p:nvSpPr>
+        <p:spPr>
+          <a:xfrm>
+            <a:off x="568171" y="1953087"/>
+            <a:ext cx="10360241" cy="4339650"/>
+          </a:xfrm>
+          <a:prstGeom prst="rect">
+            <a:avLst/>
+          </a:prstGeom>
+          <a:noFill/>
+        </p:spPr>
+        <p:txBody>
+          <a:bodyPr wrap="square" rtlCol="0">
+            <a:spAutoFit/>
+          </a:bodyPr>
+          <a:lstStyle/>
+          <a:p>
+            <a:pPr marL="285750" indent="-285750">
+              <a:buFont typeface="Arial" panose="020B0604020202020204" pitchFamily="34" charset="0"/>
+              <a:buChar char="•"/>
+            </a:pPr>
+            <a:r>
+              <a:rPr lang="pt-BR" dirty="0"/>
+              <a:t>Para compor o nosso portfólio definimos os seguintes </a:t>
+            </a:r>
+            <a:r>
+              <a:rPr lang="pt-BR" dirty="0" err="1"/>
+              <a:t>atívos</a:t>
+            </a:r>
+            <a:r>
+              <a:rPr lang="pt-BR" dirty="0"/>
+              <a:t>:</a:t>
+            </a:r>
+          </a:p>
+          <a:p>
+            <a:pPr marL="742950" lvl="1" indent="-285750">
+              <a:buFont typeface="Arial" panose="020B0604020202020204" pitchFamily="34" charset="0"/>
+              <a:buChar char="•"/>
+            </a:pPr>
+            <a:r>
+              <a:rPr lang="pt-BR" sz="1600" dirty="0"/>
+              <a:t>PERTR4</a:t>
+            </a:r>
+          </a:p>
+          <a:p>
+            <a:pPr marL="742950" lvl="1" indent="-285750">
+              <a:buFont typeface="Arial" panose="020B0604020202020204" pitchFamily="34" charset="0"/>
+              <a:buChar char="•"/>
+            </a:pPr>
+            <a:r>
+              <a:rPr lang="pt-BR" sz="1600" dirty="0"/>
+              <a:t>VALE3</a:t>
+            </a:r>
+          </a:p>
+          <a:p>
+            <a:pPr marL="742950" lvl="1" indent="-285750">
+              <a:buFont typeface="Arial" panose="020B0604020202020204" pitchFamily="34" charset="0"/>
+              <a:buChar char="•"/>
+            </a:pPr>
+            <a:r>
+              <a:rPr lang="pt-BR" sz="1600" dirty="0"/>
+              <a:t>GOAU4</a:t>
+            </a:r>
+          </a:p>
+          <a:p>
+            <a:pPr marL="742950" lvl="1" indent="-285750">
+              <a:buFont typeface="Arial" panose="020B0604020202020204" pitchFamily="34" charset="0"/>
+              <a:buChar char="•"/>
+            </a:pPr>
+            <a:r>
+              <a:rPr lang="pt-BR" sz="1600" dirty="0"/>
+              <a:t>CMIG4</a:t>
+            </a:r>
+          </a:p>
+          <a:p>
+            <a:pPr marL="742950" lvl="1" indent="-285750">
+              <a:buFont typeface="Arial" panose="020B0604020202020204" pitchFamily="34" charset="0"/>
+              <a:buChar char="•"/>
+            </a:pPr>
+            <a:r>
+              <a:rPr lang="pt-BR" sz="1600" dirty="0"/>
+              <a:t>ITSA4</a:t>
+            </a:r>
+          </a:p>
+          <a:p>
+            <a:pPr marL="742950" lvl="1" indent="-285750">
+              <a:buFont typeface="Arial" panose="020B0604020202020204" pitchFamily="34" charset="0"/>
+              <a:buChar char="•"/>
+            </a:pPr>
+            <a:r>
+              <a:rPr lang="pt-BR" sz="1600" dirty="0"/>
+              <a:t>ABEV3</a:t>
+            </a:r>
+          </a:p>
+          <a:p>
+            <a:pPr marL="285750" indent="-285750">
+              <a:buFont typeface="Arial" panose="020B0604020202020204" pitchFamily="34" charset="0"/>
+              <a:buChar char="•"/>
+            </a:pPr>
+            <a:r>
+              <a:rPr lang="pt-BR" dirty="0"/>
+              <a:t>Período de 1 ano corrido;</a:t>
+            </a:r>
+          </a:p>
+          <a:p>
+            <a:pPr marL="285750" indent="-285750">
+              <a:buFont typeface="Arial" panose="020B0604020202020204" pitchFamily="34" charset="0"/>
+              <a:buChar char="•"/>
+            </a:pPr>
+            <a:r>
+              <a:rPr lang="pt-BR" dirty="0"/>
+              <a:t>Risco País = 0</a:t>
+            </a:r>
+          </a:p>
+          <a:p>
+            <a:pPr marL="285750" indent="-285750">
+              <a:buFont typeface="Arial" panose="020B0604020202020204" pitchFamily="34" charset="0"/>
+              <a:buChar char="•"/>
+            </a:pPr>
+            <a:r>
+              <a:rPr lang="pt-BR" dirty="0"/>
+              <a:t>Número de portfólios simulados = 1.000</a:t>
+            </a:r>
+          </a:p>
+          <a:p>
+            <a:pPr marL="285750" indent="-285750">
+              <a:buFont typeface="Arial" panose="020B0604020202020204" pitchFamily="34" charset="0"/>
+              <a:buChar char="•"/>
+            </a:pPr>
+            <a:endParaRPr lang="pt-BR" dirty="0"/>
+          </a:p>
+          <a:p>
+            <a:pPr marL="285750" indent="-285750">
+              <a:buFont typeface="Arial" panose="020B0604020202020204" pitchFamily="34" charset="0"/>
+              <a:buChar char="•"/>
+            </a:pPr>
+            <a:r>
+              <a:rPr lang="pt-BR" dirty="0"/>
+              <a:t>Bibliotecas utilizadas: </a:t>
+            </a:r>
+          </a:p>
+          <a:p>
+            <a:pPr marL="742950" lvl="1" indent="-285750">
+              <a:buFont typeface="Arial" panose="020B0604020202020204" pitchFamily="34" charset="0"/>
+              <a:buChar char="•"/>
+            </a:pPr>
+            <a:r>
+              <a:rPr lang="pt-BR" dirty="0"/>
+              <a:t>‘</a:t>
+            </a:r>
+            <a:r>
+              <a:rPr lang="pt-BR" dirty="0" err="1"/>
+              <a:t>yfinance</a:t>
+            </a:r>
+            <a:r>
+              <a:rPr lang="pt-BR" dirty="0"/>
+              <a:t>’ (para baixar os valores de fechamento das ações;</a:t>
+            </a:r>
+          </a:p>
+          <a:p>
+            <a:pPr marL="742950" lvl="1" indent="-285750">
+              <a:buFont typeface="Arial" panose="020B0604020202020204" pitchFamily="34" charset="0"/>
+              <a:buChar char="•"/>
+            </a:pPr>
+            <a:r>
+              <a:rPr lang="pt-BR" dirty="0"/>
+              <a:t>‘pandas’ e ‘</a:t>
+            </a:r>
+            <a:r>
+              <a:rPr lang="pt-BR" dirty="0" err="1"/>
+              <a:t>numpy</a:t>
+            </a:r>
+            <a:r>
+              <a:rPr lang="pt-BR" dirty="0"/>
+              <a:t>’ para criar os </a:t>
+            </a:r>
+            <a:r>
+              <a:rPr lang="pt-BR" dirty="0" err="1"/>
+              <a:t>Dataframes</a:t>
+            </a:r>
+            <a:r>
+              <a:rPr lang="pt-BR" dirty="0"/>
+              <a:t> e cálculos matemáticos;</a:t>
+            </a:r>
+          </a:p>
+          <a:p>
+            <a:pPr marL="742950" lvl="1" indent="-285750">
+              <a:buFont typeface="Arial" panose="020B0604020202020204" pitchFamily="34" charset="0"/>
+              <a:buChar char="•"/>
+            </a:pPr>
+            <a:r>
+              <a:rPr lang="pt-BR" dirty="0"/>
+              <a:t>‘</a:t>
+            </a:r>
+            <a:r>
+              <a:rPr lang="pt-BR" dirty="0" err="1"/>
+              <a:t>matplotlib</a:t>
+            </a:r>
+            <a:r>
+              <a:rPr lang="pt-BR" dirty="0"/>
+              <a:t>’, ‘</a:t>
+            </a:r>
+            <a:r>
+              <a:rPr lang="pt-BR" dirty="0" err="1"/>
+              <a:t>plotly</a:t>
+            </a:r>
+            <a:r>
+              <a:rPr lang="pt-BR" dirty="0"/>
+              <a:t>’ e ’</a:t>
+            </a:r>
+            <a:r>
+              <a:rPr lang="pt-BR" dirty="0" err="1"/>
+              <a:t>seaborn</a:t>
+            </a:r>
+            <a:r>
+              <a:rPr lang="pt-BR" dirty="0"/>
+              <a:t>’ para as projeções gráficas</a:t>
+            </a:r>
+          </a:p>
+          <a:p>
+            <a:pPr marL="742950" lvl="1" indent="-285750">
+              <a:buFont typeface="Arial" panose="020B0604020202020204" pitchFamily="34" charset="0"/>
+              <a:buChar char="•"/>
+            </a:pPr>
+            <a:endParaRPr lang="pt-BR" dirty="0"/>
           </a:p>
         </p:txBody>
       </p:sp>
@@ -5992,6 +7075,403 @@
     <p:extLst>
       <p:ext uri="{BB962C8B-B14F-4D97-AF65-F5344CB8AC3E}">
         <p14:creationId xmlns:p14="http://schemas.microsoft.com/office/powerpoint/2010/main" val="1966014051"/>
+      </p:ext>
+    </p:extLst>
+  </p:cSld>
+  <p:clrMapOvr>
+    <a:masterClrMapping/>
+  </p:clrMapOvr>
+</p:sld>
+</file>
+
+<file path=ppt/slides/slide8.xml><?xml version="1.0" encoding="utf-8"?>
+<p:sld xmlns:a="http://schemas.openxmlformats.org/drawingml/2006/main" xmlns:r="http://schemas.openxmlformats.org/officeDocument/2006/relationships" xmlns:p="http://schemas.openxmlformats.org/presentationml/2006/main">
+  <p:cSld>
+    <p:spTree>
+      <p:nvGrpSpPr>
+        <p:cNvPr id="1" name=""/>
+        <p:cNvGrpSpPr/>
+        <p:nvPr/>
+      </p:nvGrpSpPr>
+      <p:grpSpPr>
+        <a:xfrm>
+          <a:off x="0" y="0"/>
+          <a:ext cx="0" cy="0"/>
+          <a:chOff x="0" y="0"/>
+          <a:chExt cx="0" cy="0"/>
+        </a:xfrm>
+      </p:grpSpPr>
+      <p:sp>
+        <p:nvSpPr>
+          <p:cNvPr id="4" name="Espaço Reservado para Data 3">
+            <a:extLst>
+              <a:ext uri="{FF2B5EF4-FFF2-40B4-BE49-F238E27FC236}">
+                <a16:creationId xmlns:a16="http://schemas.microsoft.com/office/drawing/2014/main" id="{A15FD19E-3DD0-4FFF-B1B7-6FC2F5842DD8}"/>
+              </a:ext>
+            </a:extLst>
+          </p:cNvPr>
+          <p:cNvSpPr>
+            <a:spLocks noGrp="1"/>
+          </p:cNvSpPr>
+          <p:nvPr>
+            <p:ph type="dt" sz="half" idx="10"/>
+          </p:nvPr>
+        </p:nvSpPr>
+        <p:spPr/>
+        <p:txBody>
+          <a:bodyPr/>
+          <a:lstStyle/>
+          <a:p>
+            <a:pPr rtl="0"/>
+            <a:fld id="{623252B5-F3E6-4058-A723-196087E9E541}" type="datetime1">
+              <a:rPr lang="pt-BR" smtClean="0"/>
+              <a:t>06/06/2021</a:t>
+            </a:fld>
+            <a:endParaRPr lang="en-US" dirty="0"/>
+          </a:p>
+        </p:txBody>
+      </p:sp>
+      <p:sp>
+        <p:nvSpPr>
+          <p:cNvPr id="2" name="Título 1">
+            <a:extLst>
+              <a:ext uri="{FF2B5EF4-FFF2-40B4-BE49-F238E27FC236}">
+                <a16:creationId xmlns:a16="http://schemas.microsoft.com/office/drawing/2014/main" id="{3CE786AD-9407-45B1-A9A0-AAA83C1BC691}"/>
+              </a:ext>
+            </a:extLst>
+          </p:cNvPr>
+          <p:cNvSpPr>
+            <a:spLocks noGrp="1"/>
+          </p:cNvSpPr>
+          <p:nvPr>
+            <p:ph type="title" idx="4294967295"/>
+          </p:nvPr>
+        </p:nvSpPr>
+        <p:spPr>
+          <a:xfrm>
+            <a:off x="1145439" y="280131"/>
+            <a:ext cx="9197045" cy="647791"/>
+          </a:xfrm>
+        </p:spPr>
+        <p:txBody>
+          <a:bodyPr>
+            <a:normAutofit/>
+          </a:bodyPr>
+          <a:lstStyle/>
+          <a:p>
+            <a:r>
+              <a:rPr lang="pt-BR" sz="4000" dirty="0"/>
+              <a:t>Otimização do portfólio - Metodologia</a:t>
+            </a:r>
+          </a:p>
+        </p:txBody>
+      </p:sp>
+      <p:sp>
+        <p:nvSpPr>
+          <p:cNvPr id="5" name="CaixaDeTexto 4">
+            <a:extLst>
+              <a:ext uri="{FF2B5EF4-FFF2-40B4-BE49-F238E27FC236}">
+                <a16:creationId xmlns:a16="http://schemas.microsoft.com/office/drawing/2014/main" id="{59C5841B-48EE-4699-9C29-58004AC8109A}"/>
+              </a:ext>
+            </a:extLst>
+          </p:cNvPr>
+          <p:cNvSpPr txBox="1"/>
+          <p:nvPr/>
+        </p:nvSpPr>
+        <p:spPr>
+          <a:xfrm>
+            <a:off x="426128" y="1214468"/>
+            <a:ext cx="4003829" cy="3139321"/>
+          </a:xfrm>
+          <a:prstGeom prst="rect">
+            <a:avLst/>
+          </a:prstGeom>
+          <a:noFill/>
+        </p:spPr>
+        <p:txBody>
+          <a:bodyPr wrap="square" rtlCol="0">
+            <a:spAutoFit/>
+          </a:bodyPr>
+          <a:lstStyle/>
+          <a:p>
+            <a:pPr marL="285750" indent="-285750">
+              <a:buFont typeface="Arial" panose="020B0604020202020204" pitchFamily="34" charset="0"/>
+              <a:buChar char="•"/>
+            </a:pPr>
+            <a:r>
+              <a:rPr lang="pt-BR" dirty="0"/>
+              <a:t>Download dos valores de fechamento de cada ativo em um </a:t>
+            </a:r>
+            <a:r>
+              <a:rPr lang="pt-BR" dirty="0" err="1"/>
+              <a:t>Dataframe</a:t>
+            </a:r>
+            <a:r>
+              <a:rPr lang="pt-BR" dirty="0"/>
+              <a:t>;</a:t>
+            </a:r>
+          </a:p>
+          <a:p>
+            <a:pPr marL="285750" indent="-285750">
+              <a:buFont typeface="Arial" panose="020B0604020202020204" pitchFamily="34" charset="0"/>
+              <a:buChar char="•"/>
+            </a:pPr>
+            <a:endParaRPr lang="pt-BR" dirty="0"/>
+          </a:p>
+          <a:p>
+            <a:endParaRPr lang="pt-BR" dirty="0"/>
+          </a:p>
+          <a:p>
+            <a:pPr marL="285750" indent="-285750">
+              <a:buFont typeface="Arial" panose="020B0604020202020204" pitchFamily="34" charset="0"/>
+              <a:buChar char="•"/>
+            </a:pPr>
+            <a:r>
+              <a:rPr lang="pt-BR" dirty="0"/>
+              <a:t>Cálculo dos retornos e retornos acumulados;</a:t>
+            </a:r>
+          </a:p>
+          <a:p>
+            <a:endParaRPr lang="pt-BR" dirty="0"/>
+          </a:p>
+          <a:p>
+            <a:pPr marL="285750" indent="-285750">
+              <a:buFont typeface="Arial" panose="020B0604020202020204" pitchFamily="34" charset="0"/>
+              <a:buChar char="•"/>
+            </a:pPr>
+            <a:endParaRPr lang="pt-BR" dirty="0"/>
+          </a:p>
+          <a:p>
+            <a:pPr marL="285750" indent="-285750">
+              <a:buFont typeface="Arial" panose="020B0604020202020204" pitchFamily="34" charset="0"/>
+              <a:buChar char="•"/>
+            </a:pPr>
+            <a:r>
+              <a:rPr lang="pt-BR" dirty="0"/>
+              <a:t>Cálculo de pesos, risco e índice de Sharpe.</a:t>
+            </a:r>
+          </a:p>
+        </p:txBody>
+      </p:sp>
+      <p:pic>
+        <p:nvPicPr>
+          <p:cNvPr id="8" name="Imagem 7">
+            <a:extLst>
+              <a:ext uri="{FF2B5EF4-FFF2-40B4-BE49-F238E27FC236}">
+                <a16:creationId xmlns:a16="http://schemas.microsoft.com/office/drawing/2014/main" id="{E548D64D-7033-44EB-AB3F-342EBF1164D5}"/>
+              </a:ext>
+            </a:extLst>
+          </p:cNvPr>
+          <p:cNvPicPr>
+            <a:picLocks noChangeAspect="1"/>
+          </p:cNvPicPr>
+          <p:nvPr/>
+        </p:nvPicPr>
+        <p:blipFill>
+          <a:blip r:embed="rId2"/>
+          <a:stretch>
+            <a:fillRect/>
+          </a:stretch>
+        </p:blipFill>
+        <p:spPr>
+          <a:xfrm>
+            <a:off x="4790746" y="1208038"/>
+            <a:ext cx="5344271" cy="1152686"/>
+          </a:xfrm>
+          <a:prstGeom prst="rect">
+            <a:avLst/>
+          </a:prstGeom>
+        </p:spPr>
+      </p:pic>
+      <p:pic>
+        <p:nvPicPr>
+          <p:cNvPr id="10" name="Imagem 9">
+            <a:extLst>
+              <a:ext uri="{FF2B5EF4-FFF2-40B4-BE49-F238E27FC236}">
+                <a16:creationId xmlns:a16="http://schemas.microsoft.com/office/drawing/2014/main" id="{7909E307-EE4D-483D-A25F-D2BAEF580E43}"/>
+              </a:ext>
+            </a:extLst>
+          </p:cNvPr>
+          <p:cNvPicPr>
+            <a:picLocks noChangeAspect="1"/>
+          </p:cNvPicPr>
+          <p:nvPr/>
+        </p:nvPicPr>
+        <p:blipFill>
+          <a:blip r:embed="rId3"/>
+          <a:stretch>
+            <a:fillRect/>
+          </a:stretch>
+        </p:blipFill>
+        <p:spPr>
+          <a:xfrm>
+            <a:off x="4790746" y="2640840"/>
+            <a:ext cx="4048690" cy="647790"/>
+          </a:xfrm>
+          <a:prstGeom prst="rect">
+            <a:avLst/>
+          </a:prstGeom>
+        </p:spPr>
+      </p:pic>
+      <p:pic>
+        <p:nvPicPr>
+          <p:cNvPr id="12" name="Imagem 11">
+            <a:extLst>
+              <a:ext uri="{FF2B5EF4-FFF2-40B4-BE49-F238E27FC236}">
+                <a16:creationId xmlns:a16="http://schemas.microsoft.com/office/drawing/2014/main" id="{CC2BB394-8C6C-4959-A72E-FF84A1933498}"/>
+              </a:ext>
+            </a:extLst>
+          </p:cNvPr>
+          <p:cNvPicPr>
+            <a:picLocks noChangeAspect="1"/>
+          </p:cNvPicPr>
+          <p:nvPr/>
+        </p:nvPicPr>
+        <p:blipFill>
+          <a:blip r:embed="rId4"/>
+          <a:stretch>
+            <a:fillRect/>
+          </a:stretch>
+        </p:blipFill>
+        <p:spPr>
+          <a:xfrm>
+            <a:off x="4790746" y="3708929"/>
+            <a:ext cx="5001323" cy="2610214"/>
+          </a:xfrm>
+          <a:prstGeom prst="rect">
+            <a:avLst/>
+          </a:prstGeom>
+        </p:spPr>
+      </p:pic>
+    </p:spTree>
+    <p:extLst>
+      <p:ext uri="{BB962C8B-B14F-4D97-AF65-F5344CB8AC3E}">
+        <p14:creationId xmlns:p14="http://schemas.microsoft.com/office/powerpoint/2010/main" val="803552879"/>
+      </p:ext>
+    </p:extLst>
+  </p:cSld>
+  <p:clrMapOvr>
+    <a:masterClrMapping/>
+  </p:clrMapOvr>
+</p:sld>
+</file>
+
+<file path=ppt/slides/slide9.xml><?xml version="1.0" encoding="utf-8"?>
+<p:sld xmlns:a="http://schemas.openxmlformats.org/drawingml/2006/main" xmlns:r="http://schemas.openxmlformats.org/officeDocument/2006/relationships" xmlns:p="http://schemas.openxmlformats.org/presentationml/2006/main">
+  <p:cSld>
+    <p:spTree>
+      <p:nvGrpSpPr>
+        <p:cNvPr id="1" name=""/>
+        <p:cNvGrpSpPr/>
+        <p:nvPr/>
+      </p:nvGrpSpPr>
+      <p:grpSpPr>
+        <a:xfrm>
+          <a:off x="0" y="0"/>
+          <a:ext cx="0" cy="0"/>
+          <a:chOff x="0" y="0"/>
+          <a:chExt cx="0" cy="0"/>
+        </a:xfrm>
+      </p:grpSpPr>
+      <p:sp>
+        <p:nvSpPr>
+          <p:cNvPr id="4" name="Espaço Reservado para Data 3">
+            <a:extLst>
+              <a:ext uri="{FF2B5EF4-FFF2-40B4-BE49-F238E27FC236}">
+                <a16:creationId xmlns:a16="http://schemas.microsoft.com/office/drawing/2014/main" id="{A15FD19E-3DD0-4FFF-B1B7-6FC2F5842DD8}"/>
+              </a:ext>
+            </a:extLst>
+          </p:cNvPr>
+          <p:cNvSpPr>
+            <a:spLocks noGrp="1"/>
+          </p:cNvSpPr>
+          <p:nvPr>
+            <p:ph type="dt" sz="half" idx="10"/>
+          </p:nvPr>
+        </p:nvSpPr>
+        <p:spPr/>
+        <p:txBody>
+          <a:bodyPr/>
+          <a:lstStyle/>
+          <a:p>
+            <a:pPr rtl="0"/>
+            <a:fld id="{623252B5-F3E6-4058-A723-196087E9E541}" type="datetime1">
+              <a:rPr lang="pt-BR" smtClean="0"/>
+              <a:t>06/06/2021</a:t>
+            </a:fld>
+            <a:endParaRPr lang="en-US" dirty="0"/>
+          </a:p>
+        </p:txBody>
+      </p:sp>
+      <p:sp>
+        <p:nvSpPr>
+          <p:cNvPr id="2" name="Título 1">
+            <a:extLst>
+              <a:ext uri="{FF2B5EF4-FFF2-40B4-BE49-F238E27FC236}">
+                <a16:creationId xmlns:a16="http://schemas.microsoft.com/office/drawing/2014/main" id="{3CE786AD-9407-45B1-A9A0-AAA83C1BC691}"/>
+              </a:ext>
+            </a:extLst>
+          </p:cNvPr>
+          <p:cNvSpPr>
+            <a:spLocks noGrp="1"/>
+          </p:cNvSpPr>
+          <p:nvPr>
+            <p:ph type="title" idx="4294967295"/>
+          </p:nvPr>
+        </p:nvSpPr>
+        <p:spPr>
+          <a:xfrm>
+            <a:off x="866052" y="280132"/>
+            <a:ext cx="10924161" cy="780184"/>
+          </a:xfrm>
+        </p:spPr>
+        <p:txBody>
+          <a:bodyPr>
+            <a:normAutofit fontScale="90000"/>
+          </a:bodyPr>
+          <a:lstStyle/>
+          <a:p>
+            <a:r>
+              <a:rPr lang="pt-BR" sz="3600" dirty="0"/>
+              <a:t>Definição do portfólio – Retornos diário e Acumulado</a:t>
+            </a:r>
+          </a:p>
+        </p:txBody>
+      </p:sp>
+      <p:pic>
+        <p:nvPicPr>
+          <p:cNvPr id="6" name="Imagem 5">
+            <a:extLst>
+              <a:ext uri="{FF2B5EF4-FFF2-40B4-BE49-F238E27FC236}">
+                <a16:creationId xmlns:a16="http://schemas.microsoft.com/office/drawing/2014/main" id="{CA08EBB2-0218-4D93-8556-86CD98432883}"/>
+              </a:ext>
+            </a:extLst>
+          </p:cNvPr>
+          <p:cNvPicPr>
+            <a:picLocks noChangeAspect="1"/>
+          </p:cNvPicPr>
+          <p:nvPr/>
+        </p:nvPicPr>
+        <p:blipFill>
+          <a:blip r:embed="rId2"/>
+          <a:stretch>
+            <a:fillRect/>
+          </a:stretch>
+        </p:blipFill>
+        <p:spPr>
+          <a:xfrm>
+            <a:off x="345332" y="1322962"/>
+            <a:ext cx="11501336" cy="4929401"/>
+          </a:xfrm>
+          <a:prstGeom prst="rect">
+            <a:avLst/>
+          </a:prstGeom>
+        </p:spPr>
+      </p:pic>
+    </p:spTree>
+    <p:extLst>
+      <p:ext uri="{BB962C8B-B14F-4D97-AF65-F5344CB8AC3E}">
+        <p14:creationId xmlns:p14="http://schemas.microsoft.com/office/powerpoint/2010/main" val="1743269946"/>
       </p:ext>
     </p:extLst>
   </p:cSld>

--- a/Trabalho final AWARI - João Marcos Salles - 20210610.pptx
+++ b/Trabalho final AWARI - João Marcos Salles - 20210610.pptx
@@ -5,10 +5,10 @@
     <p:sldMasterId id="2147483746" r:id="rId1"/>
   </p:sldMasterIdLst>
   <p:notesMasterIdLst>
-    <p:notesMasterId r:id="rId15"/>
+    <p:notesMasterId r:id="rId16"/>
   </p:notesMasterIdLst>
   <p:handoutMasterIdLst>
-    <p:handoutMasterId r:id="rId16"/>
+    <p:handoutMasterId r:id="rId17"/>
   </p:handoutMasterIdLst>
   <p:sldIdLst>
     <p:sldId id="257" r:id="rId2"/>
@@ -21,9 +21,10 @@
     <p:sldId id="264" r:id="rId9"/>
     <p:sldId id="268" r:id="rId10"/>
     <p:sldId id="265" r:id="rId11"/>
-    <p:sldId id="266" r:id="rId12"/>
-    <p:sldId id="267" r:id="rId13"/>
+    <p:sldId id="267" r:id="rId12"/>
+    <p:sldId id="266" r:id="rId13"/>
     <p:sldId id="269" r:id="rId14"/>
+    <p:sldId id="270" r:id="rId15"/>
   </p:sldIdLst>
   <p:sldSz cx="12192000" cy="6858000"/>
   <p:notesSz cx="6858000" cy="9144000"/>
@@ -217,7 +218,7 @@
             <a:pPr rtl="0"/>
             <a:fld id="{5C3E0910-793C-46A0-8623-CEAD4857882F}" type="datetime1">
               <a:rPr lang="pt-BR" smtClean="0"/>
-              <a:t>06/06/2021</a:t>
+              <a:t>09/06/2021</a:t>
             </a:fld>
             <a:endParaRPr lang="en-US" dirty="0"/>
           </a:p>
@@ -387,7 +388,7 @@
             <a:pPr rtl="0"/>
             <a:fld id="{49EE704A-765A-48C7-8594-25B15929F837}" type="datetime1">
               <a:rPr lang="pt-BR" smtClean="0"/>
-              <a:t>06/06/2021</a:t>
+              <a:t>09/06/2021</a:t>
             </a:fld>
             <a:endParaRPr lang="en-US"/>
           </a:p>
@@ -907,7 +908,7 @@
             <a:pPr rtl="0"/>
             <a:fld id="{3E92B5B4-4D0A-4964-A1A3-B85B0EE00890}" type="datetime1">
               <a:rPr lang="pt-BR" smtClean="0"/>
-              <a:t>06/06/2021</a:t>
+              <a:t>09/06/2021</a:t>
             </a:fld>
             <a:endParaRPr lang="en-US" dirty="0"/>
           </a:p>
@@ -1103,7 +1104,7 @@
             <a:pPr rtl="0"/>
             <a:fld id="{32E1A5F9-C71D-4DE8-8BF4-9F6FC06A94B8}" type="datetime1">
               <a:rPr lang="pt-BR" smtClean="0"/>
-              <a:t>06/06/2021</a:t>
+              <a:t>09/06/2021</a:t>
             </a:fld>
             <a:endParaRPr lang="en-US" dirty="0"/>
           </a:p>
@@ -1353,7 +1354,7 @@
             <a:pPr rtl="0"/>
             <a:fld id="{421DCD7D-5BFD-485D-AED5-B62EAACA4CB6}" type="datetime1">
               <a:rPr lang="pt-BR" smtClean="0"/>
-              <a:t>06/06/2021</a:t>
+              <a:t>09/06/2021</a:t>
             </a:fld>
             <a:endParaRPr lang="en-US" dirty="0"/>
           </a:p>
@@ -1549,7 +1550,7 @@
             <a:pPr rtl="0"/>
             <a:fld id="{623252B5-F3E6-4058-A723-196087E9E541}" type="datetime1">
               <a:rPr lang="pt-BR" smtClean="0"/>
-              <a:t>06/06/2021</a:t>
+              <a:t>09/06/2021</a:t>
             </a:fld>
             <a:endParaRPr lang="en-US" dirty="0"/>
           </a:p>
@@ -1926,7 +1927,7 @@
             <a:pPr rtl="0"/>
             <a:fld id="{1A251DFA-97D2-4C90-9100-D1173CC96C37}" type="datetime1">
               <a:rPr lang="pt-BR" smtClean="0"/>
-              <a:t>06/06/2021</a:t>
+              <a:t>09/06/2021</a:t>
             </a:fld>
             <a:endParaRPr lang="en-US" dirty="0"/>
           </a:p>
@@ -2185,7 +2186,7 @@
             <a:pPr rtl="0"/>
             <a:fld id="{7651B26C-F0DB-4889-B6A3-FE07E152272F}" type="datetime1">
               <a:rPr lang="pt-BR" smtClean="0"/>
-              <a:t>06/06/2021</a:t>
+              <a:t>09/06/2021</a:t>
             </a:fld>
             <a:endParaRPr lang="en-US" dirty="0"/>
           </a:p>
@@ -2590,7 +2591,7 @@
             <a:pPr rtl="0"/>
             <a:fld id="{DB0565EE-A4B5-4AB4-9432-D16ECAE9EF1F}" type="datetime1">
               <a:rPr lang="pt-BR" smtClean="0"/>
-              <a:t>06/06/2021</a:t>
+              <a:t>09/06/2021</a:t>
             </a:fld>
             <a:endParaRPr lang="en-US" dirty="0"/>
           </a:p>
@@ -2730,7 +2731,7 @@
             <a:pPr rtl="0"/>
             <a:fld id="{FC470C2D-02C8-4A1B-A79F-498A53DD951F}" type="datetime1">
               <a:rPr lang="pt-BR" smtClean="0"/>
-              <a:t>06/06/2021</a:t>
+              <a:t>09/06/2021</a:t>
             </a:fld>
             <a:endParaRPr lang="en-US" dirty="0"/>
           </a:p>
@@ -2890,7 +2891,7 @@
             <a:pPr rtl="0"/>
             <a:fld id="{9094EF83-1835-4C7A-B4B2-F0B720F5AC0B}" type="datetime1">
               <a:rPr lang="pt-BR" smtClean="0"/>
-              <a:t>06/06/2021</a:t>
+              <a:t>09/06/2021</a:t>
             </a:fld>
             <a:endParaRPr lang="en-US" dirty="0"/>
           </a:p>
@@ -3223,7 +3224,7 @@
             <a:pPr rtl="0"/>
             <a:fld id="{6F5D5688-1774-4625-9E74-88EA94DB2550}" type="datetime1">
               <a:rPr lang="pt-BR" smtClean="0"/>
-              <a:t>06/06/2021</a:t>
+              <a:t>09/06/2021</a:t>
             </a:fld>
             <a:endParaRPr lang="en-US" dirty="0"/>
           </a:p>
@@ -3578,7 +3579,7 @@
             <a:pPr rtl="0"/>
             <a:fld id="{3D5E4E1C-696A-4E82-B6DD-87ECA4CC925A}" type="datetime1">
               <a:rPr lang="pt-BR" smtClean="0"/>
-              <a:t>06/06/2021</a:t>
+              <a:t>09/06/2021</a:t>
             </a:fld>
             <a:endParaRPr lang="en-US" dirty="0"/>
           </a:p>
@@ -3842,7 +3843,7 @@
             <a:pPr rtl="0"/>
             <a:fld id="{66BA6665-D630-4C43-9989-3D086DA68E5F}" type="datetime1">
               <a:rPr lang="pt-BR" smtClean="0"/>
-              <a:t>06/06/2021</a:t>
+              <a:t>09/06/2021</a:t>
             </a:fld>
             <a:endParaRPr lang="en-US" dirty="0"/>
           </a:p>
@@ -4721,7 +4722,7 @@
             <a:pPr rtl="0"/>
             <a:fld id="{623252B5-F3E6-4058-A723-196087E9E541}" type="datetime1">
               <a:rPr lang="pt-BR" smtClean="0"/>
-              <a:t>06/06/2021</a:t>
+              <a:t>09/06/2021</a:t>
             </a:fld>
             <a:endParaRPr lang="en-US" dirty="0"/>
           </a:p>
@@ -4751,13 +4752,13 @@
         </p:spPr>
         <p:txBody>
           <a:bodyPr>
-            <a:normAutofit/>
+            <a:normAutofit fontScale="90000"/>
           </a:bodyPr>
           <a:lstStyle/>
           <a:p>
             <a:r>
               <a:rPr lang="pt-BR" sz="4000" dirty="0"/>
-              <a:t>Otimização do portfólio - Metodologia</a:t>
+              <a:t>Otimização do portfólio – metodologia</a:t>
             </a:r>
           </a:p>
         </p:txBody>
@@ -4899,7 +4900,7 @@
             <a:pPr rtl="0"/>
             <a:fld id="{623252B5-F3E6-4058-A723-196087E9E541}" type="datetime1">
               <a:rPr lang="pt-BR" smtClean="0"/>
-              <a:t>06/06/2021</a:t>
+              <a:t>09/06/2021</a:t>
             </a:fld>
             <a:endParaRPr lang="en-US" dirty="0"/>
           </a:p>
@@ -4923,68 +4924,29 @@
         </p:nvSpPr>
         <p:spPr>
           <a:xfrm>
-            <a:off x="1145439" y="280131"/>
-            <a:ext cx="9197045" cy="647791"/>
+            <a:off x="752637" y="280131"/>
+            <a:ext cx="10050640" cy="647791"/>
           </a:xfrm>
         </p:spPr>
         <p:txBody>
           <a:bodyPr>
-            <a:normAutofit/>
+            <a:normAutofit fontScale="90000"/>
           </a:bodyPr>
           <a:lstStyle/>
           <a:p>
             <a:r>
               <a:rPr lang="pt-BR" sz="4000" dirty="0"/>
-              <a:t>Otimização do portfólio - Resultado</a:t>
-            </a:r>
-          </a:p>
-        </p:txBody>
-      </p:sp>
-      <p:sp>
-        <p:nvSpPr>
-          <p:cNvPr id="5" name="CaixaDeTexto 4">
-            <a:extLst>
-              <a:ext uri="{FF2B5EF4-FFF2-40B4-BE49-F238E27FC236}">
-                <a16:creationId xmlns:a16="http://schemas.microsoft.com/office/drawing/2014/main" id="{59C5841B-48EE-4699-9C29-58004AC8109A}"/>
-              </a:ext>
-            </a:extLst>
-          </p:cNvPr>
-          <p:cNvSpPr txBox="1"/>
-          <p:nvPr/>
-        </p:nvSpPr>
-        <p:spPr>
-          <a:xfrm>
-            <a:off x="426128" y="1214468"/>
-            <a:ext cx="3212017" cy="369332"/>
-          </a:xfrm>
-          <a:prstGeom prst="rect">
-            <a:avLst/>
-          </a:prstGeom>
-          <a:noFill/>
-        </p:spPr>
-        <p:txBody>
-          <a:bodyPr wrap="square" rtlCol="0">
-            <a:spAutoFit/>
-          </a:bodyPr>
-          <a:lstStyle/>
-          <a:p>
-            <a:pPr marL="285750" indent="-285750">
-              <a:buFont typeface="Arial" panose="020B0604020202020204" pitchFamily="34" charset="0"/>
-              <a:buChar char="•"/>
-            </a:pPr>
-            <a:r>
-              <a:rPr lang="pt-BR" dirty="0"/>
-              <a:t>Portfólio com Risco mínimo:</a:t>
+              <a:t>Otimização do portfólio e Fronteira Eficiente:</a:t>
             </a:r>
           </a:p>
         </p:txBody>
       </p:sp>
       <p:pic>
         <p:nvPicPr>
-          <p:cNvPr id="6" name="Imagem 5">
-            <a:extLst>
-              <a:ext uri="{FF2B5EF4-FFF2-40B4-BE49-F238E27FC236}">
-                <a16:creationId xmlns:a16="http://schemas.microsoft.com/office/drawing/2014/main" id="{C2A2E992-7609-4348-A731-1A7DAE10090A}"/>
+          <p:cNvPr id="7" name="Imagem 6">
+            <a:extLst>
+              <a:ext uri="{FF2B5EF4-FFF2-40B4-BE49-F238E27FC236}">
+                <a16:creationId xmlns:a16="http://schemas.microsoft.com/office/drawing/2014/main" id="{91928A91-1D85-4825-BDE8-6511D025CBD2}"/>
               </a:ext>
             </a:extLst>
           </p:cNvPr>
@@ -5001,98 +4963,20 @@
         </p:blipFill>
         <p:spPr>
           <a:xfrm>
-            <a:off x="752636" y="1676133"/>
-            <a:ext cx="2321303" cy="2103341"/>
+            <a:off x="97614" y="1136124"/>
+            <a:ext cx="6782747" cy="3943900"/>
           </a:xfrm>
           <a:prstGeom prst="rect">
             <a:avLst/>
           </a:prstGeom>
         </p:spPr>
       </p:pic>
-      <p:sp>
-        <p:nvSpPr>
-          <p:cNvPr id="10" name="CaixaDeTexto 9">
-            <a:extLst>
-              <a:ext uri="{FF2B5EF4-FFF2-40B4-BE49-F238E27FC236}">
-                <a16:creationId xmlns:a16="http://schemas.microsoft.com/office/drawing/2014/main" id="{A8B7C2A9-9031-43AA-BCA5-509079C1EC50}"/>
-              </a:ext>
-            </a:extLst>
-          </p:cNvPr>
-          <p:cNvSpPr txBox="1"/>
-          <p:nvPr/>
-        </p:nvSpPr>
-        <p:spPr>
-          <a:xfrm>
-            <a:off x="3978613" y="1199689"/>
-            <a:ext cx="3531139" cy="369332"/>
-          </a:xfrm>
-          <a:prstGeom prst="rect">
-            <a:avLst/>
-          </a:prstGeom>
-          <a:noFill/>
-        </p:spPr>
-        <p:txBody>
-          <a:bodyPr wrap="square" rtlCol="0">
-            <a:spAutoFit/>
-          </a:bodyPr>
-          <a:lstStyle/>
-          <a:p>
-            <a:pPr marL="285750" indent="-285750">
-              <a:buFont typeface="Arial" panose="020B0604020202020204" pitchFamily="34" charset="0"/>
-              <a:buChar char="•"/>
-            </a:pPr>
-            <a:r>
-              <a:rPr lang="pt-BR" dirty="0"/>
-              <a:t>Portfólio com Retorno Máximo:</a:t>
-            </a:r>
-          </a:p>
-        </p:txBody>
-      </p:sp>
-      <p:sp>
-        <p:nvSpPr>
-          <p:cNvPr id="11" name="CaixaDeTexto 10">
-            <a:extLst>
-              <a:ext uri="{FF2B5EF4-FFF2-40B4-BE49-F238E27FC236}">
-                <a16:creationId xmlns:a16="http://schemas.microsoft.com/office/drawing/2014/main" id="{B6F28A0C-4E28-407A-938A-6A2678E550E6}"/>
-              </a:ext>
-            </a:extLst>
-          </p:cNvPr>
-          <p:cNvSpPr txBox="1"/>
-          <p:nvPr/>
-        </p:nvSpPr>
-        <p:spPr>
-          <a:xfrm>
-            <a:off x="7849776" y="1199689"/>
-            <a:ext cx="3531139" cy="369332"/>
-          </a:xfrm>
-          <a:prstGeom prst="rect">
-            <a:avLst/>
-          </a:prstGeom>
-          <a:noFill/>
-        </p:spPr>
-        <p:txBody>
-          <a:bodyPr wrap="square" rtlCol="0">
-            <a:spAutoFit/>
-          </a:bodyPr>
-          <a:lstStyle/>
-          <a:p>
-            <a:pPr marL="285750" indent="-285750">
-              <a:buFont typeface="Arial" panose="020B0604020202020204" pitchFamily="34" charset="0"/>
-              <a:buChar char="•"/>
-            </a:pPr>
-            <a:r>
-              <a:rPr lang="pt-BR" dirty="0"/>
-              <a:t>Portfólio com Sharpe Máximo:</a:t>
-            </a:r>
-          </a:p>
-        </p:txBody>
-      </p:sp>
       <p:pic>
         <p:nvPicPr>
-          <p:cNvPr id="12" name="Imagem 11">
-            <a:extLst>
-              <a:ext uri="{FF2B5EF4-FFF2-40B4-BE49-F238E27FC236}">
-                <a16:creationId xmlns:a16="http://schemas.microsoft.com/office/drawing/2014/main" id="{CDC72DD2-FE3A-4547-AD93-40233DBD604B}"/>
+          <p:cNvPr id="17" name="Imagem 16">
+            <a:extLst>
+              <a:ext uri="{FF2B5EF4-FFF2-40B4-BE49-F238E27FC236}">
+                <a16:creationId xmlns:a16="http://schemas.microsoft.com/office/drawing/2014/main" id="{7074419E-9B19-44C1-B24D-75AD1CD19183}"/>
               </a:ext>
             </a:extLst>
           </p:cNvPr>
@@ -5109,38 +4993,8 @@
         </p:blipFill>
         <p:spPr>
           <a:xfrm>
-            <a:off x="4426539" y="1676132"/>
-            <a:ext cx="2519009" cy="2124729"/>
-          </a:xfrm>
-          <a:prstGeom prst="rect">
-            <a:avLst/>
-          </a:prstGeom>
-        </p:spPr>
-      </p:pic>
-      <p:pic>
-        <p:nvPicPr>
-          <p:cNvPr id="16" name="Imagem 15">
-            <a:extLst>
-              <a:ext uri="{FF2B5EF4-FFF2-40B4-BE49-F238E27FC236}">
-                <a16:creationId xmlns:a16="http://schemas.microsoft.com/office/drawing/2014/main" id="{C802C5DE-2FC9-4DCA-A1D1-13FBEE7DDBA0}"/>
-              </a:ext>
-            </a:extLst>
-          </p:cNvPr>
-          <p:cNvPicPr>
-            <a:picLocks noChangeAspect="1"/>
-          </p:cNvPicPr>
-          <p:nvPr/>
-        </p:nvPicPr>
-        <p:blipFill>
-          <a:blip r:embed="rId4"/>
-          <a:stretch>
-            <a:fillRect/>
-          </a:stretch>
-        </p:blipFill>
-        <p:spPr>
-          <a:xfrm>
-            <a:off x="8218426" y="1676132"/>
-            <a:ext cx="3116268" cy="2124728"/>
+            <a:off x="7060550" y="1205368"/>
+            <a:ext cx="5087060" cy="3448531"/>
           </a:xfrm>
           <a:prstGeom prst="rect">
             <a:avLst/>
@@ -5150,7 +5004,7 @@
     </p:spTree>
     <p:extLst>
       <p:ext uri="{BB962C8B-B14F-4D97-AF65-F5344CB8AC3E}">
-        <p14:creationId xmlns:p14="http://schemas.microsoft.com/office/powerpoint/2010/main" val="102032339"/>
+        <p14:creationId xmlns:p14="http://schemas.microsoft.com/office/powerpoint/2010/main" val="1131533317"/>
       </p:ext>
     </p:extLst>
   </p:cSld>
@@ -5201,7 +5055,7 @@
             <a:pPr rtl="0"/>
             <a:fld id="{623252B5-F3E6-4058-A723-196087E9E541}" type="datetime1">
               <a:rPr lang="pt-BR" smtClean="0"/>
-              <a:t>06/06/2021</a:t>
+              <a:t>09/06/2021</a:t>
             </a:fld>
             <a:endParaRPr lang="en-US" dirty="0"/>
           </a:p>
@@ -5225,29 +5079,68 @@
         </p:nvSpPr>
         <p:spPr>
           <a:xfrm>
-            <a:off x="752637" y="280131"/>
-            <a:ext cx="10050640" cy="647791"/>
+            <a:off x="1145439" y="280131"/>
+            <a:ext cx="9197045" cy="647791"/>
           </a:xfrm>
         </p:spPr>
         <p:txBody>
           <a:bodyPr>
-            <a:normAutofit fontScale="90000"/>
+            <a:normAutofit/>
           </a:bodyPr>
           <a:lstStyle/>
           <a:p>
             <a:r>
               <a:rPr lang="pt-BR" sz="4000" dirty="0"/>
-              <a:t>Otimização do portfólio &amp; Fronteira Eficiente:</a:t>
+              <a:t>Otimização do portfólio – resultado</a:t>
+            </a:r>
+          </a:p>
+        </p:txBody>
+      </p:sp>
+      <p:sp>
+        <p:nvSpPr>
+          <p:cNvPr id="5" name="CaixaDeTexto 4">
+            <a:extLst>
+              <a:ext uri="{FF2B5EF4-FFF2-40B4-BE49-F238E27FC236}">
+                <a16:creationId xmlns:a16="http://schemas.microsoft.com/office/drawing/2014/main" id="{59C5841B-48EE-4699-9C29-58004AC8109A}"/>
+              </a:ext>
+            </a:extLst>
+          </p:cNvPr>
+          <p:cNvSpPr txBox="1"/>
+          <p:nvPr/>
+        </p:nvSpPr>
+        <p:spPr>
+          <a:xfrm>
+            <a:off x="426128" y="1214468"/>
+            <a:ext cx="3212017" cy="369332"/>
+          </a:xfrm>
+          <a:prstGeom prst="rect">
+            <a:avLst/>
+          </a:prstGeom>
+          <a:noFill/>
+        </p:spPr>
+        <p:txBody>
+          <a:bodyPr wrap="square" rtlCol="0">
+            <a:spAutoFit/>
+          </a:bodyPr>
+          <a:lstStyle/>
+          <a:p>
+            <a:pPr marL="285750" indent="-285750">
+              <a:buFont typeface="Arial" panose="020B0604020202020204" pitchFamily="34" charset="0"/>
+              <a:buChar char="•"/>
+            </a:pPr>
+            <a:r>
+              <a:rPr lang="pt-BR" dirty="0"/>
+              <a:t>Portfólio com Risco Mínimo:</a:t>
             </a:r>
           </a:p>
         </p:txBody>
       </p:sp>
       <p:pic>
         <p:nvPicPr>
-          <p:cNvPr id="7" name="Imagem 6">
-            <a:extLst>
-              <a:ext uri="{FF2B5EF4-FFF2-40B4-BE49-F238E27FC236}">
-                <a16:creationId xmlns:a16="http://schemas.microsoft.com/office/drawing/2014/main" id="{91928A91-1D85-4825-BDE8-6511D025CBD2}"/>
+          <p:cNvPr id="6" name="Imagem 5">
+            <a:extLst>
+              <a:ext uri="{FF2B5EF4-FFF2-40B4-BE49-F238E27FC236}">
+                <a16:creationId xmlns:a16="http://schemas.microsoft.com/office/drawing/2014/main" id="{C2A2E992-7609-4348-A731-1A7DAE10090A}"/>
               </a:ext>
             </a:extLst>
           </p:cNvPr>
@@ -5264,20 +5157,98 @@
         </p:blipFill>
         <p:spPr>
           <a:xfrm>
-            <a:off x="97614" y="1136124"/>
-            <a:ext cx="6782747" cy="3943900"/>
+            <a:off x="752636" y="1676133"/>
+            <a:ext cx="2321303" cy="2103341"/>
           </a:xfrm>
           <a:prstGeom prst="rect">
             <a:avLst/>
           </a:prstGeom>
         </p:spPr>
       </p:pic>
+      <p:sp>
+        <p:nvSpPr>
+          <p:cNvPr id="10" name="CaixaDeTexto 9">
+            <a:extLst>
+              <a:ext uri="{FF2B5EF4-FFF2-40B4-BE49-F238E27FC236}">
+                <a16:creationId xmlns:a16="http://schemas.microsoft.com/office/drawing/2014/main" id="{A8B7C2A9-9031-43AA-BCA5-509079C1EC50}"/>
+              </a:ext>
+            </a:extLst>
+          </p:cNvPr>
+          <p:cNvSpPr txBox="1"/>
+          <p:nvPr/>
+        </p:nvSpPr>
+        <p:spPr>
+          <a:xfrm>
+            <a:off x="3978613" y="1199689"/>
+            <a:ext cx="3531139" cy="369332"/>
+          </a:xfrm>
+          <a:prstGeom prst="rect">
+            <a:avLst/>
+          </a:prstGeom>
+          <a:noFill/>
+        </p:spPr>
+        <p:txBody>
+          <a:bodyPr wrap="square" rtlCol="0">
+            <a:spAutoFit/>
+          </a:bodyPr>
+          <a:lstStyle/>
+          <a:p>
+            <a:pPr marL="285750" indent="-285750">
+              <a:buFont typeface="Arial" panose="020B0604020202020204" pitchFamily="34" charset="0"/>
+              <a:buChar char="•"/>
+            </a:pPr>
+            <a:r>
+              <a:rPr lang="pt-BR" dirty="0"/>
+              <a:t>Portfólio com Retorno Máximo:</a:t>
+            </a:r>
+          </a:p>
+        </p:txBody>
+      </p:sp>
+      <p:sp>
+        <p:nvSpPr>
+          <p:cNvPr id="11" name="CaixaDeTexto 10">
+            <a:extLst>
+              <a:ext uri="{FF2B5EF4-FFF2-40B4-BE49-F238E27FC236}">
+                <a16:creationId xmlns:a16="http://schemas.microsoft.com/office/drawing/2014/main" id="{B6F28A0C-4E28-407A-938A-6A2678E550E6}"/>
+              </a:ext>
+            </a:extLst>
+          </p:cNvPr>
+          <p:cNvSpPr txBox="1"/>
+          <p:nvPr/>
+        </p:nvSpPr>
+        <p:spPr>
+          <a:xfrm>
+            <a:off x="7803555" y="1199689"/>
+            <a:ext cx="3531139" cy="369332"/>
+          </a:xfrm>
+          <a:prstGeom prst="rect">
+            <a:avLst/>
+          </a:prstGeom>
+          <a:noFill/>
+        </p:spPr>
+        <p:txBody>
+          <a:bodyPr wrap="square" rtlCol="0">
+            <a:spAutoFit/>
+          </a:bodyPr>
+          <a:lstStyle/>
+          <a:p>
+            <a:pPr marL="285750" indent="-285750">
+              <a:buFont typeface="Arial" panose="020B0604020202020204" pitchFamily="34" charset="0"/>
+              <a:buChar char="•"/>
+            </a:pPr>
+            <a:r>
+              <a:rPr lang="pt-BR" dirty="0"/>
+              <a:t>Portfólio com Sharpe Máximo:</a:t>
+            </a:r>
+          </a:p>
+        </p:txBody>
+      </p:sp>
       <p:pic>
         <p:nvPicPr>
-          <p:cNvPr id="17" name="Imagem 16">
-            <a:extLst>
-              <a:ext uri="{FF2B5EF4-FFF2-40B4-BE49-F238E27FC236}">
-                <a16:creationId xmlns:a16="http://schemas.microsoft.com/office/drawing/2014/main" id="{7074419E-9B19-44C1-B24D-75AD1CD19183}"/>
+          <p:cNvPr id="12" name="Imagem 11">
+            <a:extLst>
+              <a:ext uri="{FF2B5EF4-FFF2-40B4-BE49-F238E27FC236}">
+                <a16:creationId xmlns:a16="http://schemas.microsoft.com/office/drawing/2014/main" id="{CDC72DD2-FE3A-4547-AD93-40233DBD604B}"/>
               </a:ext>
             </a:extLst>
           </p:cNvPr>
@@ -5294,8 +5265,38 @@
         </p:blipFill>
         <p:spPr>
           <a:xfrm>
-            <a:off x="7060550" y="1205368"/>
-            <a:ext cx="5087060" cy="3448531"/>
+            <a:off x="4426539" y="1676132"/>
+            <a:ext cx="2519009" cy="2124729"/>
+          </a:xfrm>
+          <a:prstGeom prst="rect">
+            <a:avLst/>
+          </a:prstGeom>
+        </p:spPr>
+      </p:pic>
+      <p:pic>
+        <p:nvPicPr>
+          <p:cNvPr id="16" name="Imagem 15">
+            <a:extLst>
+              <a:ext uri="{FF2B5EF4-FFF2-40B4-BE49-F238E27FC236}">
+                <a16:creationId xmlns:a16="http://schemas.microsoft.com/office/drawing/2014/main" id="{C802C5DE-2FC9-4DCA-A1D1-13FBEE7DDBA0}"/>
+              </a:ext>
+            </a:extLst>
+          </p:cNvPr>
+          <p:cNvPicPr>
+            <a:picLocks noChangeAspect="1"/>
+          </p:cNvPicPr>
+          <p:nvPr/>
+        </p:nvPicPr>
+        <p:blipFill>
+          <a:blip r:embed="rId4"/>
+          <a:stretch>
+            <a:fillRect/>
+          </a:stretch>
+        </p:blipFill>
+        <p:spPr>
+          <a:xfrm>
+            <a:off x="8218426" y="1676132"/>
+            <a:ext cx="3116268" cy="2124728"/>
           </a:xfrm>
           <a:prstGeom prst="rect">
             <a:avLst/>
@@ -5305,7 +5306,7 @@
     </p:spTree>
     <p:extLst>
       <p:ext uri="{BB962C8B-B14F-4D97-AF65-F5344CB8AC3E}">
-        <p14:creationId xmlns:p14="http://schemas.microsoft.com/office/powerpoint/2010/main" val="1131533317"/>
+        <p14:creationId xmlns:p14="http://schemas.microsoft.com/office/powerpoint/2010/main" val="102032339"/>
       </p:ext>
     </p:extLst>
   </p:cSld>
@@ -5356,7 +5357,7 @@
             <a:pPr rtl="0"/>
             <a:fld id="{623252B5-F3E6-4058-A723-196087E9E541}" type="datetime1">
               <a:rPr lang="pt-BR" smtClean="0"/>
-              <a:t>06/06/2021</a:t>
+              <a:t>09/06/2021</a:t>
             </a:fld>
             <a:endParaRPr lang="en-US" dirty="0"/>
           </a:p>
@@ -5393,7 +5394,7 @@
             <a:pPr algn="ctr"/>
             <a:r>
               <a:rPr lang="pt-BR" sz="4000" dirty="0"/>
-              <a:t>Otimização do portfólio – Simulação de Monte Carlo:</a:t>
+              <a:t>Otimização do portfólio – simulação de Monte Carlo:</a:t>
             </a:r>
           </a:p>
         </p:txBody>
@@ -5462,7 +5463,7 @@
             </a:pPr>
             <a:r>
               <a:rPr lang="pt-BR" dirty="0"/>
-              <a:t>Retorno diário esperado: 0.1%</a:t>
+              <a:t>Retorno diário esperado: 0,1%</a:t>
             </a:r>
           </a:p>
           <a:p>
@@ -5472,7 +5473,7 @@
             </a:pPr>
             <a:r>
               <a:rPr lang="pt-BR" dirty="0"/>
-              <a:t>Desvio padrão do retorno: 2.5%</a:t>
+              <a:t>Desvio-padrão do retorno: 2,5%</a:t>
             </a:r>
           </a:p>
           <a:p>
@@ -5501,6 +5502,318 @@
     <p:extLst>
       <p:ext uri="{BB962C8B-B14F-4D97-AF65-F5344CB8AC3E}">
         <p14:creationId xmlns:p14="http://schemas.microsoft.com/office/powerpoint/2010/main" val="692964945"/>
+      </p:ext>
+    </p:extLst>
+  </p:cSld>
+  <p:clrMapOvr>
+    <a:masterClrMapping/>
+  </p:clrMapOvr>
+</p:sld>
+</file>
+
+<file path=ppt/slides/slide14.xml><?xml version="1.0" encoding="utf-8"?>
+<p:sld xmlns:a="http://schemas.openxmlformats.org/drawingml/2006/main" xmlns:r="http://schemas.openxmlformats.org/officeDocument/2006/relationships" xmlns:p="http://schemas.openxmlformats.org/presentationml/2006/main">
+  <p:cSld>
+    <p:spTree>
+      <p:nvGrpSpPr>
+        <p:cNvPr id="1" name=""/>
+        <p:cNvGrpSpPr/>
+        <p:nvPr/>
+      </p:nvGrpSpPr>
+      <p:grpSpPr>
+        <a:xfrm>
+          <a:off x="0" y="0"/>
+          <a:ext cx="0" cy="0"/>
+          <a:chOff x="0" y="0"/>
+          <a:chExt cx="0" cy="0"/>
+        </a:xfrm>
+      </p:grpSpPr>
+      <p:sp>
+        <p:nvSpPr>
+          <p:cNvPr id="4" name="Espaço Reservado para Data 3">
+            <a:extLst>
+              <a:ext uri="{FF2B5EF4-FFF2-40B4-BE49-F238E27FC236}">
+                <a16:creationId xmlns:a16="http://schemas.microsoft.com/office/drawing/2014/main" id="{A15FD19E-3DD0-4FFF-B1B7-6FC2F5842DD8}"/>
+              </a:ext>
+            </a:extLst>
+          </p:cNvPr>
+          <p:cNvSpPr>
+            <a:spLocks noGrp="1"/>
+          </p:cNvSpPr>
+          <p:nvPr>
+            <p:ph type="dt" sz="half" idx="10"/>
+          </p:nvPr>
+        </p:nvSpPr>
+        <p:spPr/>
+        <p:txBody>
+          <a:bodyPr/>
+          <a:lstStyle/>
+          <a:p>
+            <a:pPr rtl="0"/>
+            <a:fld id="{623252B5-F3E6-4058-A723-196087E9E541}" type="datetime1">
+              <a:rPr lang="pt-BR" smtClean="0"/>
+              <a:t>09/06/2021</a:t>
+            </a:fld>
+            <a:endParaRPr lang="en-US" dirty="0"/>
+          </a:p>
+        </p:txBody>
+      </p:sp>
+      <p:sp>
+        <p:nvSpPr>
+          <p:cNvPr id="2" name="Título 1">
+            <a:extLst>
+              <a:ext uri="{FF2B5EF4-FFF2-40B4-BE49-F238E27FC236}">
+                <a16:creationId xmlns:a16="http://schemas.microsoft.com/office/drawing/2014/main" id="{3CE786AD-9407-45B1-A9A0-AAA83C1BC691}"/>
+              </a:ext>
+            </a:extLst>
+          </p:cNvPr>
+          <p:cNvSpPr>
+            <a:spLocks noGrp="1"/>
+          </p:cNvSpPr>
+          <p:nvPr>
+            <p:ph type="title" idx="4294967295"/>
+          </p:nvPr>
+        </p:nvSpPr>
+        <p:spPr>
+          <a:xfrm>
+            <a:off x="820730" y="389481"/>
+            <a:ext cx="10050640" cy="1048702"/>
+          </a:xfrm>
+        </p:spPr>
+        <p:txBody>
+          <a:bodyPr>
+            <a:normAutofit fontScale="90000"/>
+          </a:bodyPr>
+          <a:lstStyle/>
+          <a:p>
+            <a:pPr algn="ctr"/>
+            <a:r>
+              <a:rPr lang="pt-BR" sz="3600" dirty="0"/>
+              <a:t>Otimização do portfólio – definição de estratégia (</a:t>
+            </a:r>
+            <a:r>
+              <a:rPr lang="pt-BR" sz="3600" dirty="0" err="1"/>
+              <a:t>Rebalanceamento</a:t>
+            </a:r>
+            <a:r>
+              <a:rPr lang="pt-BR" sz="3600" dirty="0"/>
+              <a:t> </a:t>
+            </a:r>
+            <a:r>
+              <a:rPr lang="pt-BR" sz="3600" dirty="0" err="1"/>
+              <a:t>vs</a:t>
+            </a:r>
+            <a:r>
+              <a:rPr lang="pt-BR" sz="3600" dirty="0"/>
+              <a:t> </a:t>
+            </a:r>
+            <a:r>
+              <a:rPr lang="pt-BR" sz="3600" dirty="0" err="1"/>
+              <a:t>Buy</a:t>
+            </a:r>
+            <a:r>
+              <a:rPr lang="pt-BR" sz="3600" dirty="0"/>
+              <a:t> &amp; </a:t>
+            </a:r>
+            <a:r>
+              <a:rPr lang="pt-BR" sz="3600" dirty="0" err="1"/>
+              <a:t>Hold</a:t>
+            </a:r>
+            <a:r>
+              <a:rPr lang="pt-BR" sz="3600" dirty="0"/>
+              <a:t>)</a:t>
+            </a:r>
+            <a:r>
+              <a:rPr lang="pt-BR" sz="4000" dirty="0"/>
+              <a:t>:</a:t>
+            </a:r>
+          </a:p>
+        </p:txBody>
+      </p:sp>
+      <p:sp>
+        <p:nvSpPr>
+          <p:cNvPr id="6" name="CaixaDeTexto 5">
+            <a:extLst>
+              <a:ext uri="{FF2B5EF4-FFF2-40B4-BE49-F238E27FC236}">
+                <a16:creationId xmlns:a16="http://schemas.microsoft.com/office/drawing/2014/main" id="{24F44604-694C-483A-8DAE-0E0FDFBE7CB9}"/>
+              </a:ext>
+            </a:extLst>
+          </p:cNvPr>
+          <p:cNvSpPr txBox="1"/>
+          <p:nvPr/>
+        </p:nvSpPr>
+        <p:spPr>
+          <a:xfrm>
+            <a:off x="168674" y="1819611"/>
+            <a:ext cx="7321623" cy="1200329"/>
+          </a:xfrm>
+          <a:prstGeom prst="rect">
+            <a:avLst/>
+          </a:prstGeom>
+          <a:noFill/>
+        </p:spPr>
+        <p:txBody>
+          <a:bodyPr wrap="square" rtlCol="0">
+            <a:spAutoFit/>
+          </a:bodyPr>
+          <a:lstStyle/>
+          <a:p>
+            <a:pPr marL="285750" indent="-285750">
+              <a:buFont typeface="Arial" panose="020B0604020202020204" pitchFamily="34" charset="0"/>
+              <a:buChar char="•"/>
+            </a:pPr>
+            <a:r>
+              <a:rPr lang="pt-BR" dirty="0"/>
+              <a:t>Monitoramento do portfólio: </a:t>
+            </a:r>
+            <a:r>
+              <a:rPr lang="pt-BR" dirty="0" err="1"/>
+              <a:t>rebalanceamento</a:t>
+            </a:r>
+            <a:r>
+              <a:rPr lang="pt-BR" dirty="0"/>
+              <a:t> </a:t>
+            </a:r>
+            <a:r>
+              <a:rPr lang="pt-BR" dirty="0" err="1"/>
+              <a:t>vs</a:t>
+            </a:r>
+            <a:r>
+              <a:rPr lang="pt-BR" dirty="0"/>
+              <a:t> </a:t>
+            </a:r>
+            <a:r>
+              <a:rPr lang="pt-BR" dirty="0" err="1"/>
+              <a:t>Buy</a:t>
+            </a:r>
+            <a:r>
+              <a:rPr lang="pt-BR" dirty="0"/>
+              <a:t> </a:t>
+            </a:r>
+            <a:r>
+              <a:rPr lang="pt-BR" dirty="0" err="1"/>
+              <a:t>and</a:t>
+            </a:r>
+            <a:r>
+              <a:rPr lang="pt-BR" dirty="0"/>
+              <a:t> </a:t>
+            </a:r>
+            <a:r>
+              <a:rPr lang="pt-BR" dirty="0" err="1"/>
+              <a:t>Hold</a:t>
+            </a:r>
+            <a:r>
+              <a:rPr lang="pt-BR" dirty="0"/>
+              <a:t> utilizando a biblioteca “</a:t>
+            </a:r>
+            <a:r>
+              <a:rPr lang="pt-BR" dirty="0" err="1"/>
+              <a:t>bt</a:t>
+            </a:r>
+            <a:r>
+              <a:rPr lang="pt-BR" dirty="0"/>
+              <a:t> - </a:t>
+            </a:r>
+            <a:r>
+              <a:rPr lang="pt-BR" dirty="0" err="1"/>
+              <a:t>Flexible</a:t>
+            </a:r>
+            <a:r>
+              <a:rPr lang="pt-BR" dirty="0"/>
+              <a:t> </a:t>
+            </a:r>
+            <a:r>
+              <a:rPr lang="pt-BR" dirty="0" err="1"/>
+              <a:t>Backtesting</a:t>
+            </a:r>
+            <a:r>
+              <a:rPr lang="pt-BR" dirty="0"/>
+              <a:t> for Python”</a:t>
+            </a:r>
+          </a:p>
+          <a:p>
+            <a:pPr marL="285750" indent="-285750">
+              <a:buFont typeface="Arial" panose="020B0604020202020204" pitchFamily="34" charset="0"/>
+              <a:buChar char="•"/>
+            </a:pPr>
+            <a:r>
+              <a:rPr lang="pt-BR" dirty="0"/>
+              <a:t>Teste usando 4 anos de dados</a:t>
+            </a:r>
+          </a:p>
+          <a:p>
+            <a:pPr marL="285750" indent="-285750">
+              <a:buFont typeface="Arial" panose="020B0604020202020204" pitchFamily="34" charset="0"/>
+              <a:buChar char="•"/>
+            </a:pPr>
+            <a:endParaRPr lang="pt-BR" dirty="0"/>
+          </a:p>
+        </p:txBody>
+      </p:sp>
+      <p:pic>
+        <p:nvPicPr>
+          <p:cNvPr id="11" name="Imagem 10">
+            <a:extLst>
+              <a:ext uri="{FF2B5EF4-FFF2-40B4-BE49-F238E27FC236}">
+                <a16:creationId xmlns:a16="http://schemas.microsoft.com/office/drawing/2014/main" id="{8A76F28D-2F61-47EB-9E1C-A96C85C803ED}"/>
+              </a:ext>
+            </a:extLst>
+          </p:cNvPr>
+          <p:cNvPicPr>
+            <a:picLocks noChangeAspect="1"/>
+          </p:cNvPicPr>
+          <p:nvPr/>
+        </p:nvPicPr>
+        <p:blipFill>
+          <a:blip r:embed="rId2"/>
+          <a:stretch>
+            <a:fillRect/>
+          </a:stretch>
+        </p:blipFill>
+        <p:spPr>
+          <a:xfrm>
+            <a:off x="8218426" y="1741790"/>
+            <a:ext cx="3524742" cy="4559214"/>
+          </a:xfrm>
+          <a:prstGeom prst="rect">
+            <a:avLst/>
+          </a:prstGeom>
+        </p:spPr>
+      </p:pic>
+      <p:pic>
+        <p:nvPicPr>
+          <p:cNvPr id="13" name="Imagem 12">
+            <a:extLst>
+              <a:ext uri="{FF2B5EF4-FFF2-40B4-BE49-F238E27FC236}">
+                <a16:creationId xmlns:a16="http://schemas.microsoft.com/office/drawing/2014/main" id="{B06A662C-30A2-49E8-BC07-02C0BAA8F1E2}"/>
+              </a:ext>
+            </a:extLst>
+          </p:cNvPr>
+          <p:cNvPicPr>
+            <a:picLocks noChangeAspect="1"/>
+          </p:cNvPicPr>
+          <p:nvPr/>
+        </p:nvPicPr>
+        <p:blipFill>
+          <a:blip r:embed="rId3"/>
+          <a:stretch>
+            <a:fillRect/>
+          </a:stretch>
+        </p:blipFill>
+        <p:spPr>
+          <a:xfrm>
+            <a:off x="168675" y="2898843"/>
+            <a:ext cx="7856644" cy="3252413"/>
+          </a:xfrm>
+          <a:prstGeom prst="rect">
+            <a:avLst/>
+          </a:prstGeom>
+        </p:spPr>
+      </p:pic>
+    </p:spTree>
+    <p:extLst>
+      <p:ext uri="{BB962C8B-B14F-4D97-AF65-F5344CB8AC3E}">
+        <p14:creationId xmlns:p14="http://schemas.microsoft.com/office/powerpoint/2010/main" val="2392585903"/>
       </p:ext>
     </p:extLst>
   </p:cSld>
@@ -5580,9 +5893,8 @@
           </a:bodyPr>
           <a:lstStyle/>
           <a:p>
-            <a:pPr>
-              <a:buFont typeface="Arial" panose="020B0604020202020204" pitchFamily="34" charset="0"/>
-              <a:buChar char="•"/>
+            <a:pPr marL="0" indent="0">
+              <a:buNone/>
             </a:pPr>
             <a:r>
               <a:rPr lang="pt-BR" dirty="0"/>
@@ -5606,7 +5918,7 @@
             </a:pPr>
             <a:r>
               <a:rPr lang="pt-BR" dirty="0"/>
-              <a:t>Parte do pressuposto de que as melhores informações são contábeis/financeiras;</a:t>
+              <a:t>Parte do pressuposto de que as melhores informações são contábeis/financeiras</a:t>
             </a:r>
           </a:p>
           <a:p>
@@ -5616,7 +5928,7 @@
             </a:pPr>
             <a:r>
               <a:rPr lang="pt-BR" dirty="0"/>
-              <a:t>Utiliza os resultados mensais, trimestrais e anuais das empresas como base de calculo;</a:t>
+              <a:t>Utiliza os resultados mensais, trimestrais e anuais das empresas como base de cálculo</a:t>
             </a:r>
           </a:p>
           <a:p>
@@ -5626,7 +5938,7 @@
             </a:pPr>
             <a:r>
               <a:rPr lang="pt-BR" dirty="0"/>
-              <a:t>Leva em conta indicadores amplos do mercado específico da empresa, assim como os planos e projeções futuras;</a:t>
+              <a:t>Leva em conta indicadores amplos do mercado específico da empresa, assim como os planos e projeções futuras</a:t>
             </a:r>
           </a:p>
           <a:p>
@@ -5636,7 +5948,7 @@
             </a:pPr>
             <a:r>
               <a:rPr lang="pt-BR" dirty="0"/>
-              <a:t>Leva em conta outros dados externos como taxa de câmbio, taxa de juros, risco país, etc.</a:t>
+              <a:t>Leva em conta outros dados externos, como taxa de câmbio, taxa de juros, risco-país, etc.</a:t>
             </a:r>
           </a:p>
           <a:p>
@@ -5663,7 +5975,7 @@
             </a:pPr>
             <a:r>
               <a:rPr lang="pt-BR" dirty="0"/>
-              <a:t>Utiliza padrões históricos de negociação das ações;</a:t>
+              <a:t>Utiliza padrões históricos de negociação das ações</a:t>
             </a:r>
           </a:p>
           <a:p>
@@ -5673,7 +5985,7 @@
             </a:pPr>
             <a:r>
               <a:rPr lang="pt-BR" dirty="0"/>
-              <a:t>Parte do pressuposto de que o mercado é eficiente e coletivamente tomará as melhores decisões;</a:t>
+              <a:t>Parte do pressuposto de que o mercado é eficiente e coletivamente tomará as melhores decisões</a:t>
             </a:r>
           </a:p>
           <a:p>
@@ -5683,7 +5995,7 @@
             </a:pPr>
             <a:r>
               <a:rPr lang="pt-BR" dirty="0"/>
-              <a:t>Parte do pressuposto de que o histórico de negociação das ações já leva em conta decisões tomadas via análise fundamentalista;</a:t>
+              <a:t>Parte do pressuposto de que o histórico de negociação das ações já leva em conta decisões tomadas via análise fundamentalista</a:t>
             </a:r>
           </a:p>
           <a:p>
@@ -5693,9 +6005,8 @@
             <a:endParaRPr lang="pt-BR" dirty="0"/>
           </a:p>
           <a:p>
-            <a:pPr lvl="1">
-              <a:buFont typeface="Arial" panose="020B0604020202020204" pitchFamily="34" charset="0"/>
-              <a:buChar char="•"/>
+            <a:pPr marL="201168" lvl="1" indent="0">
+              <a:buNone/>
             </a:pPr>
             <a:r>
               <a:rPr lang="pt-BR" dirty="0"/>
@@ -5728,7 +6039,7 @@
             <a:pPr rtl="0"/>
             <a:fld id="{623252B5-F3E6-4058-A723-196087E9E541}" type="datetime1">
               <a:rPr lang="pt-BR" smtClean="0"/>
-              <a:t>06/06/2021</a:t>
+              <a:t>09/06/2021</a:t>
             </a:fld>
             <a:endParaRPr lang="en-US" dirty="0"/>
           </a:p>
@@ -5788,7 +6099,7 @@
             <a:pPr rtl="0"/>
             <a:fld id="{623252B5-F3E6-4058-A723-196087E9E541}" type="datetime1">
               <a:rPr lang="pt-BR" smtClean="0"/>
-              <a:t>06/06/2021</a:t>
+              <a:t>09/06/2021</a:t>
             </a:fld>
             <a:endParaRPr lang="en-US" dirty="0"/>
           </a:p>
@@ -5853,17 +6164,16 @@
         </p:spPr>
         <p:txBody>
           <a:bodyPr>
-            <a:normAutofit/>
+            <a:normAutofit lnSpcReduction="10000"/>
           </a:bodyPr>
           <a:lstStyle/>
           <a:p>
-            <a:pPr>
-              <a:buFont typeface="Arial" panose="020B0604020202020204" pitchFamily="34" charset="0"/>
-              <a:buChar char="•"/>
+            <a:pPr marL="0" indent="0">
+              <a:buNone/>
             </a:pPr>
             <a:r>
               <a:rPr lang="pt-BR" sz="1800" dirty="0"/>
-              <a:t>Minha proposta é utilizar a análise gráfica para determinar quais ações, dentro da lista do IBOVESPA (aproximadamente 70 ações), utilizando bibliotecas de reconhecimento de padrões e indicadores de tendencia como Médias Moveis, MACD, ADX e IFR.</a:t>
+              <a:t>Minha proposta é utilizar a análise gráfica para determinar quais ativos escolher, dentro da lista do IBOVESPA (aproximadamente 70 ações), utilizando bibliotecas de reconhecimento de padrões e indicadores de tendência como Médias Móveis, MACD, ADX e IFR.</a:t>
             </a:r>
           </a:p>
           <a:p>
@@ -6036,7 +6346,7 @@
           <a:p>
             <a:r>
               <a:rPr lang="pt-BR" sz="4000" dirty="0"/>
-              <a:t>Definição dos ativos - bibliotecas</a:t>
+              <a:t>Definição dos ativos – bibliotecas</a:t>
             </a:r>
           </a:p>
         </p:txBody>
@@ -6064,7 +6374,9 @@
           </a:xfrm>
         </p:spPr>
         <p:txBody>
-          <a:bodyPr/>
+          <a:bodyPr>
+            <a:normAutofit lnSpcReduction="10000"/>
+          </a:bodyPr>
           <a:lstStyle/>
           <a:p>
             <a:pPr>
@@ -6073,24 +6385,21 @@
             </a:pPr>
             <a:r>
               <a:rPr lang="pt-BR" dirty="0"/>
-              <a:t>Baixamos os dados individuais das ações por meio da biblioteca ‘</a:t>
+              <a:t>Baixei os dados individuais das ações por meio da biblioteca “</a:t>
             </a:r>
             <a:r>
               <a:rPr lang="pt-BR" dirty="0" err="1"/>
-              <a:t>YFinance</a:t>
+              <a:t>Yfinance</a:t>
             </a:r>
             <a:r>
               <a:rPr lang="pt-BR" dirty="0"/>
-              <a:t>’, que acessa os dados do </a:t>
+              <a:t>”, que acessa os dados do </a:t>
             </a:r>
             <a:r>
               <a:rPr lang="pt-BR" dirty="0" err="1"/>
               <a:t>YahooFinance</a:t>
             </a:r>
-            <a:r>
-              <a:rPr lang="pt-BR" dirty="0"/>
-              <a:t>;</a:t>
-            </a:r>
+            <a:endParaRPr lang="pt-BR" dirty="0"/>
           </a:p>
           <a:p>
             <a:pPr>
@@ -6099,15 +6408,15 @@
             </a:pPr>
             <a:r>
               <a:rPr lang="pt-BR" dirty="0"/>
-              <a:t>Para definir as ações que irão compor o portfólio usamos as técnicas de reconhecimento de padrões em gráficos de </a:t>
+              <a:t>Para definir as ações que vão compor o portfólio, usamos as técnicas de reconhecimento de padrões em gráficos de </a:t>
             </a:r>
             <a:r>
               <a:rPr lang="pt-BR" dirty="0" err="1"/>
-              <a:t>Candlestick</a:t>
+              <a:t>candlestick</a:t>
             </a:r>
             <a:r>
               <a:rPr lang="pt-BR" dirty="0"/>
-              <a:t> e projeções de índices de tendencia, para períodos diário (ultimo ano), semanal (ultimo ano) e mensal (últimos 5 anos), usando a biblioteca ‘</a:t>
+              <a:t> e projeções de índices de tendência, para períodos diário (último ano), semanal (último ano) e mensal (últimos 5 anos), usando a biblioteca “</a:t>
             </a:r>
             <a:r>
               <a:rPr lang="pt-BR" dirty="0" err="1"/>
@@ -6115,7 +6424,7 @@
             </a:r>
             <a:r>
               <a:rPr lang="pt-BR" dirty="0"/>
-              <a:t>’.</a:t>
+              <a:t>”.</a:t>
             </a:r>
           </a:p>
           <a:p>
@@ -6125,7 +6434,7 @@
             </a:pPr>
             <a:r>
               <a:rPr lang="pt-BR" dirty="0"/>
-              <a:t>Para os índices de tendencia, selecionei: Médias Moveis, </a:t>
+              <a:t>Para os índices de tendência, selecionei: Médias Móveis, </a:t>
             </a:r>
             <a:r>
               <a:rPr lang="pt-BR" dirty="0" err="1"/>
@@ -6225,7 +6534,7 @@
             </a:pPr>
             <a:r>
               <a:rPr lang="pt-BR" dirty="0"/>
-              <a:t>Gráficos foram projetados utilizando as bibliotecas ‘</a:t>
+              <a:t>Os gráficos foram projetados utilizando as bibliotecas “</a:t>
             </a:r>
             <a:r>
               <a:rPr lang="pt-BR" dirty="0" err="1"/>
@@ -6233,7 +6542,7 @@
             </a:r>
             <a:r>
               <a:rPr lang="pt-BR" dirty="0"/>
-              <a:t>’, ‘</a:t>
+              <a:t>”, “</a:t>
             </a:r>
             <a:r>
               <a:rPr lang="pt-BR" dirty="0" err="1"/>
@@ -6241,7 +6550,7 @@
             </a:r>
             <a:r>
               <a:rPr lang="pt-BR" dirty="0"/>
-              <a:t>’, ‘</a:t>
+              <a:t>”, “</a:t>
             </a:r>
             <a:r>
               <a:rPr lang="pt-BR" dirty="0" err="1"/>
@@ -6249,7 +6558,7 @@
             </a:r>
             <a:r>
               <a:rPr lang="pt-BR" dirty="0"/>
-              <a:t>’ e ’</a:t>
+              <a:t>” e “</a:t>
             </a:r>
             <a:r>
               <a:rPr lang="pt-BR" dirty="0" err="1"/>
@@ -6257,7 +6566,7 @@
             </a:r>
             <a:r>
               <a:rPr lang="pt-BR" dirty="0"/>
-              <a:t>’.</a:t>
+              <a:t>”.</a:t>
             </a:r>
           </a:p>
         </p:txBody>
@@ -6286,7 +6595,7 @@
             <a:pPr rtl="0"/>
             <a:fld id="{623252B5-F3E6-4058-A723-196087E9E541}" type="datetime1">
               <a:rPr lang="pt-BR" smtClean="0"/>
-              <a:t>06/06/2021</a:t>
+              <a:t>09/06/2021</a:t>
             </a:fld>
             <a:endParaRPr lang="en-US" dirty="0"/>
           </a:p>
@@ -6346,7 +6655,7 @@
             <a:pPr rtl="0"/>
             <a:fld id="{623252B5-F3E6-4058-A723-196087E9E541}" type="datetime1">
               <a:rPr lang="pt-BR" smtClean="0"/>
-              <a:t>06/06/2021</a:t>
+              <a:t>09/06/2021</a:t>
             </a:fld>
             <a:endParaRPr lang="en-US" dirty="0"/>
           </a:p>
@@ -6382,7 +6691,7 @@
           <a:p>
             <a:r>
               <a:rPr lang="pt-BR" sz="4000" dirty="0"/>
-              <a:t>Definição dos ativos - Metodologia</a:t>
+              <a:t>Definição dos ativos – metodologia</a:t>
             </a:r>
           </a:p>
         </p:txBody>
@@ -6419,7 +6728,7 @@
             </a:pPr>
             <a:r>
               <a:rPr lang="pt-BR" dirty="0"/>
-              <a:t>Índice ADX indica tendencia de alta quando a linha ADX esta acima de 25 e acima da linha ADXR (ambas em tendencia crescente).</a:t>
+              <a:t>O índice ADX indica tendência de alta quando a linha ADX está acima de 25 e acima da linha ADXR (ambas em tendência crescente).</a:t>
             </a:r>
           </a:p>
           <a:p>
@@ -6450,7 +6759,7 @@
             </a:pPr>
             <a:r>
               <a:rPr lang="pt-BR" dirty="0"/>
-              <a:t>Índice MACD indica tendencia de alta quando a linha MACD está acima da Media Móvel de 9 períodos, com ambas em tendencia crescente, e a linha Hist. esta acima de zero</a:t>
+              <a:t>O índice MACD indica tendência de alta quando a linha MACD está acima da Média Móvel de 9 períodos e com tendência crescente, além de a linha Hist. estar acima de zero</a:t>
             </a:r>
           </a:p>
         </p:txBody>
@@ -6569,7 +6878,7 @@
             <a:pPr rtl="0"/>
             <a:fld id="{623252B5-F3E6-4058-A723-196087E9E541}" type="datetime1">
               <a:rPr lang="pt-BR" smtClean="0"/>
-              <a:t>06/06/2021</a:t>
+              <a:t>09/06/2021</a:t>
             </a:fld>
             <a:endParaRPr lang="en-US" dirty="0"/>
           </a:p>
@@ -6605,7 +6914,7 @@
           <a:p>
             <a:r>
               <a:rPr lang="pt-BR" sz="4000" dirty="0"/>
-              <a:t>Definição dos ativos – Metodologia (cont.)</a:t>
+              <a:t>Definição dos ativos – metodologia (cont.)</a:t>
             </a:r>
           </a:p>
         </p:txBody>
@@ -6642,7 +6951,7 @@
             </a:pPr>
             <a:r>
               <a:rPr lang="pt-BR" dirty="0"/>
-              <a:t> Médias Móveis indicam tendencias de alta quando as médias mais curtas estão acima das médias mais longas, e todas apontando para cima.</a:t>
+              <a:t> Médias Móveis indicam tendências de alta quando as médias mais curtas estão acima das médias mais longas e todas apontam para cima.</a:t>
             </a:r>
           </a:p>
         </p:txBody>
@@ -6791,7 +7100,7 @@
             <a:pPr rtl="0"/>
             <a:fld id="{623252B5-F3E6-4058-A723-196087E9E541}" type="datetime1">
               <a:rPr lang="pt-BR" smtClean="0"/>
-              <a:t>06/06/2021</a:t>
+              <a:t>09/06/2021</a:t>
             </a:fld>
             <a:endParaRPr lang="en-US" dirty="0"/>
           </a:p>
@@ -6827,7 +7136,7 @@
           <a:p>
             <a:r>
               <a:rPr lang="pt-BR" sz="4000" dirty="0"/>
-              <a:t>Definição do portfólio - parâmetros e bibliotecas</a:t>
+              <a:t>Definição do portfólio – parâmetros e bibliotecas</a:t>
             </a:r>
           </a:p>
         </p:txBody>
@@ -6866,15 +7175,7 @@
             </a:pPr>
             <a:r>
               <a:rPr lang="pt-BR" dirty="0"/>
-              <a:t>Para compor o nosso portfólio definimos os seguintes </a:t>
-            </a:r>
-            <a:r>
-              <a:rPr lang="pt-BR" dirty="0" err="1"/>
-              <a:t>atívos</a:t>
-            </a:r>
-            <a:r>
-              <a:rPr lang="pt-BR" dirty="0"/>
-              <a:t>:</a:t>
+              <a:t>Para compor o nosso portfólio definimos os seguintes ativos:</a:t>
             </a:r>
           </a:p>
           <a:p>
@@ -6944,7 +7245,7 @@
             </a:pPr>
             <a:r>
               <a:rPr lang="pt-BR" dirty="0"/>
-              <a:t>Período de 1 ano corrido;</a:t>
+              <a:t>Período de 1 ano corrido</a:t>
             </a:r>
           </a:p>
           <a:p>
@@ -6954,7 +7255,7 @@
             </a:pPr>
             <a:r>
               <a:rPr lang="pt-BR" dirty="0"/>
-              <a:t>Risco País = 0</a:t>
+              <a:t>Risco-país = 0</a:t>
             </a:r>
           </a:p>
           <a:p>
@@ -6991,7 +7292,7 @@
             </a:pPr>
             <a:r>
               <a:rPr lang="pt-BR" dirty="0"/>
-              <a:t>‘</a:t>
+              <a:t>“</a:t>
             </a:r>
             <a:r>
               <a:rPr lang="pt-BR" dirty="0" err="1"/>
@@ -6999,7 +7300,7 @@
             </a:r>
             <a:r>
               <a:rPr lang="pt-BR" dirty="0"/>
-              <a:t>’ (para baixar os valores de fechamento das ações;</a:t>
+              <a:t>” (para baixar os valores de fechamento das ações)</a:t>
             </a:r>
           </a:p>
           <a:p>
@@ -7009,7 +7310,7 @@
             </a:pPr>
             <a:r>
               <a:rPr lang="pt-BR" dirty="0"/>
-              <a:t>‘pandas’ e ‘</a:t>
+              <a:t>“pandas” e “</a:t>
             </a:r>
             <a:r>
               <a:rPr lang="pt-BR" dirty="0" err="1"/>
@@ -7017,7 +7318,7 @@
             </a:r>
             <a:r>
               <a:rPr lang="pt-BR" dirty="0"/>
-              <a:t>’ para criar os </a:t>
+              <a:t>” para criar os </a:t>
             </a:r>
             <a:r>
               <a:rPr lang="pt-BR" dirty="0" err="1"/>
@@ -7025,7 +7326,7 @@
             </a:r>
             <a:r>
               <a:rPr lang="pt-BR" dirty="0"/>
-              <a:t> e cálculos matemáticos;</a:t>
+              <a:t> e cálculos matemáticos</a:t>
             </a:r>
           </a:p>
           <a:p>
@@ -7035,7 +7336,7 @@
             </a:pPr>
             <a:r>
               <a:rPr lang="pt-BR" dirty="0"/>
-              <a:t>‘</a:t>
+              <a:t>“</a:t>
             </a:r>
             <a:r>
               <a:rPr lang="pt-BR" dirty="0" err="1"/>
@@ -7043,7 +7344,7 @@
             </a:r>
             <a:r>
               <a:rPr lang="pt-BR" dirty="0"/>
-              <a:t>’, ‘</a:t>
+              <a:t>”, “</a:t>
             </a:r>
             <a:r>
               <a:rPr lang="pt-BR" dirty="0" err="1"/>
@@ -7051,7 +7352,7 @@
             </a:r>
             <a:r>
               <a:rPr lang="pt-BR" dirty="0"/>
-              <a:t>’ e ’</a:t>
+              <a:t>” e “</a:t>
             </a:r>
             <a:r>
               <a:rPr lang="pt-BR" dirty="0" err="1"/>
@@ -7059,7 +7360,7 @@
             </a:r>
             <a:r>
               <a:rPr lang="pt-BR" dirty="0"/>
-              <a:t>’ para as projeções gráficas</a:t>
+              <a:t>” para as projeções gráficas</a:t>
             </a:r>
           </a:p>
           <a:p>
@@ -7125,7 +7426,7 @@
             <a:pPr rtl="0"/>
             <a:fld id="{623252B5-F3E6-4058-A723-196087E9E541}" type="datetime1">
               <a:rPr lang="pt-BR" smtClean="0"/>
-              <a:t>06/06/2021</a:t>
+              <a:t>09/06/2021</a:t>
             </a:fld>
             <a:endParaRPr lang="en-US" dirty="0"/>
           </a:p>
@@ -7155,13 +7456,13 @@
         </p:spPr>
         <p:txBody>
           <a:bodyPr>
-            <a:normAutofit/>
+            <a:normAutofit fontScale="90000"/>
           </a:bodyPr>
           <a:lstStyle/>
           <a:p>
             <a:r>
               <a:rPr lang="pt-BR" sz="4000" dirty="0"/>
-              <a:t>Otimização do portfólio - Metodologia</a:t>
+              <a:t>Otimização do portfólio – metodologia</a:t>
             </a:r>
           </a:p>
         </p:txBody>
@@ -7206,10 +7507,7 @@
               <a:rPr lang="pt-BR" dirty="0" err="1"/>
               <a:t>Dataframe</a:t>
             </a:r>
-            <a:r>
-              <a:rPr lang="pt-BR" dirty="0"/>
-              <a:t>;</a:t>
-            </a:r>
+            <a:endParaRPr lang="pt-BR" dirty="0"/>
           </a:p>
           <a:p>
             <a:pPr marL="285750" indent="-285750">
@@ -7228,7 +7526,7 @@
             </a:pPr>
             <a:r>
               <a:rPr lang="pt-BR" dirty="0"/>
-              <a:t>Cálculo dos retornos e retornos acumulados;</a:t>
+              <a:t>Cálculo dos retornos e retornos acumulados</a:t>
             </a:r>
           </a:p>
           <a:p>
@@ -7248,7 +7546,7 @@
             </a:pPr>
             <a:r>
               <a:rPr lang="pt-BR" dirty="0"/>
-              <a:t>Cálculo de pesos, risco e índice de Sharpe.</a:t>
+              <a:t>Cálculo de pesos, risco e índice de Sharpe</a:t>
             </a:r>
           </a:p>
         </p:txBody>
@@ -7397,7 +7695,7 @@
             <a:pPr rtl="0"/>
             <a:fld id="{623252B5-F3E6-4058-A723-196087E9E541}" type="datetime1">
               <a:rPr lang="pt-BR" smtClean="0"/>
-              <a:t>06/06/2021</a:t>
+              <a:t>09/06/2021</a:t>
             </a:fld>
             <a:endParaRPr lang="en-US" dirty="0"/>
           </a:p>
@@ -7433,7 +7731,7 @@
           <a:p>
             <a:r>
               <a:rPr lang="pt-BR" sz="3600" dirty="0"/>
-              <a:t>Definição do portfólio – Retornos diário e Acumulado</a:t>
+              <a:t>Definição do portfólio – retornos Diário e Acumulado</a:t>
             </a:r>
           </a:p>
         </p:txBody>
